--- a/Docs/文档素材/文件备注实现方案.pptx
+++ b/Docs/文档素材/文件备注实现方案.pptx
@@ -6,6 +6,8 @@
   </p:sldMasterIdLst>
   <p:sldIdLst>
     <p:sldId id="256" r:id="rId2"/>
+    <p:sldId id="258" r:id="rId3"/>
+    <p:sldId id="259" r:id="rId4"/>
   </p:sldIdLst>
   <p:sldSz cx="12192000" cy="6858000"/>
   <p:notesSz cx="6858000" cy="9144000"/>
@@ -259,7 +261,7 @@
           <a:p>
             <a:fld id="{524F5BB6-C052-43D2-A32A-4A4A9A8F7A74}" type="datetimeFigureOut">
               <a:rPr lang="en-US" smtClean="0"/>
-              <a:t>3/5/2021</a:t>
+              <a:t>3/11/2021</a:t>
             </a:fld>
             <a:endParaRPr lang="en-US"/>
           </a:p>
@@ -457,7 +459,7 @@
           <a:p>
             <a:fld id="{524F5BB6-C052-43D2-A32A-4A4A9A8F7A74}" type="datetimeFigureOut">
               <a:rPr lang="en-US" smtClean="0"/>
-              <a:t>3/5/2021</a:t>
+              <a:t>3/11/2021</a:t>
             </a:fld>
             <a:endParaRPr lang="en-US"/>
           </a:p>
@@ -665,7 +667,7 @@
           <a:p>
             <a:fld id="{524F5BB6-C052-43D2-A32A-4A4A9A8F7A74}" type="datetimeFigureOut">
               <a:rPr lang="en-US" smtClean="0"/>
-              <a:t>3/5/2021</a:t>
+              <a:t>3/11/2021</a:t>
             </a:fld>
             <a:endParaRPr lang="en-US"/>
           </a:p>
@@ -863,7 +865,7 @@
           <a:p>
             <a:fld id="{524F5BB6-C052-43D2-A32A-4A4A9A8F7A74}" type="datetimeFigureOut">
               <a:rPr lang="en-US" smtClean="0"/>
-              <a:t>3/5/2021</a:t>
+              <a:t>3/11/2021</a:t>
             </a:fld>
             <a:endParaRPr lang="en-US"/>
           </a:p>
@@ -1138,7 +1140,7 @@
           <a:p>
             <a:fld id="{524F5BB6-C052-43D2-A32A-4A4A9A8F7A74}" type="datetimeFigureOut">
               <a:rPr lang="en-US" smtClean="0"/>
-              <a:t>3/5/2021</a:t>
+              <a:t>3/11/2021</a:t>
             </a:fld>
             <a:endParaRPr lang="en-US"/>
           </a:p>
@@ -1403,7 +1405,7 @@
           <a:p>
             <a:fld id="{524F5BB6-C052-43D2-A32A-4A4A9A8F7A74}" type="datetimeFigureOut">
               <a:rPr lang="en-US" smtClean="0"/>
-              <a:t>3/5/2021</a:t>
+              <a:t>3/11/2021</a:t>
             </a:fld>
             <a:endParaRPr lang="en-US"/>
           </a:p>
@@ -1815,7 +1817,7 @@
           <a:p>
             <a:fld id="{524F5BB6-C052-43D2-A32A-4A4A9A8F7A74}" type="datetimeFigureOut">
               <a:rPr lang="en-US" smtClean="0"/>
-              <a:t>3/5/2021</a:t>
+              <a:t>3/11/2021</a:t>
             </a:fld>
             <a:endParaRPr lang="en-US"/>
           </a:p>
@@ -1956,7 +1958,7 @@
           <a:p>
             <a:fld id="{524F5BB6-C052-43D2-A32A-4A4A9A8F7A74}" type="datetimeFigureOut">
               <a:rPr lang="en-US" smtClean="0"/>
-              <a:t>3/5/2021</a:t>
+              <a:t>3/11/2021</a:t>
             </a:fld>
             <a:endParaRPr lang="en-US"/>
           </a:p>
@@ -2069,7 +2071,7 @@
           <a:p>
             <a:fld id="{524F5BB6-C052-43D2-A32A-4A4A9A8F7A74}" type="datetimeFigureOut">
               <a:rPr lang="en-US" smtClean="0"/>
-              <a:t>3/5/2021</a:t>
+              <a:t>3/11/2021</a:t>
             </a:fld>
             <a:endParaRPr lang="en-US"/>
           </a:p>
@@ -2380,7 +2382,7 @@
           <a:p>
             <a:fld id="{524F5BB6-C052-43D2-A32A-4A4A9A8F7A74}" type="datetimeFigureOut">
               <a:rPr lang="en-US" smtClean="0"/>
-              <a:t>3/5/2021</a:t>
+              <a:t>3/11/2021</a:t>
             </a:fld>
             <a:endParaRPr lang="en-US"/>
           </a:p>
@@ -2668,7 +2670,7 @@
           <a:p>
             <a:fld id="{524F5BB6-C052-43D2-A32A-4A4A9A8F7A74}" type="datetimeFigureOut">
               <a:rPr lang="en-US" smtClean="0"/>
-              <a:t>3/5/2021</a:t>
+              <a:t>3/11/2021</a:t>
             </a:fld>
             <a:endParaRPr lang="en-US"/>
           </a:p>
@@ -2909,7 +2911,7 @@
           <a:p>
             <a:fld id="{524F5BB6-C052-43D2-A32A-4A4A9A8F7A74}" type="datetimeFigureOut">
               <a:rPr lang="en-US" smtClean="0"/>
-              <a:t>3/5/2021</a:t>
+              <a:t>3/11/2021</a:t>
             </a:fld>
             <a:endParaRPr lang="en-US"/>
           </a:p>
@@ -5368,6 +5370,3343 @@
 </p:sld>
 </file>
 
+<file path=ppt/slides/slide2.xml><?xml version="1.0" encoding="utf-8"?>
+<p:sld xmlns:a="http://schemas.openxmlformats.org/drawingml/2006/main" xmlns:r="http://schemas.openxmlformats.org/officeDocument/2006/relationships" xmlns:p="http://schemas.openxmlformats.org/presentationml/2006/main">
+  <p:cSld>
+    <p:spTree>
+      <p:nvGrpSpPr>
+        <p:cNvPr id="1" name=""/>
+        <p:cNvGrpSpPr/>
+        <p:nvPr/>
+      </p:nvGrpSpPr>
+      <p:grpSpPr>
+        <a:xfrm>
+          <a:off x="0" y="0"/>
+          <a:ext cx="0" cy="0"/>
+          <a:chOff x="0" y="0"/>
+          <a:chExt cx="0" cy="0"/>
+        </a:xfrm>
+      </p:grpSpPr>
+      <p:sp>
+        <p:nvSpPr>
+          <p:cNvPr id="3" name="Rectangle 2">
+            <a:extLst>
+              <a:ext uri="{FF2B5EF4-FFF2-40B4-BE49-F238E27FC236}">
+                <a16:creationId xmlns:a16="http://schemas.microsoft.com/office/drawing/2014/main" id="{E440493B-9E94-46CE-BBD9-1B3152A103E3}"/>
+              </a:ext>
+            </a:extLst>
+          </p:cNvPr>
+          <p:cNvSpPr/>
+          <p:nvPr/>
+        </p:nvSpPr>
+        <p:spPr>
+          <a:xfrm>
+            <a:off x="1878496" y="844826"/>
+            <a:ext cx="407505" cy="715617"/>
+          </a:xfrm>
+          <a:prstGeom prst="rect">
+            <a:avLst/>
+          </a:prstGeom>
+        </p:spPr>
+        <p:style>
+          <a:lnRef idx="1">
+            <a:schemeClr val="accent1"/>
+          </a:lnRef>
+          <a:fillRef idx="2">
+            <a:schemeClr val="accent1"/>
+          </a:fillRef>
+          <a:effectRef idx="1">
+            <a:schemeClr val="accent1"/>
+          </a:effectRef>
+          <a:fontRef idx="minor">
+            <a:schemeClr val="dk1"/>
+          </a:fontRef>
+        </p:style>
+        <p:txBody>
+          <a:bodyPr rtlCol="0" anchor="ctr"/>
+          <a:lstStyle/>
+          <a:p>
+            <a:pPr algn="ctr"/>
+            <a:endParaRPr lang="en-US"/>
+          </a:p>
+        </p:txBody>
+      </p:sp>
+      <p:sp>
+        <p:nvSpPr>
+          <p:cNvPr id="13" name="Rectangle 12">
+            <a:extLst>
+              <a:ext uri="{FF2B5EF4-FFF2-40B4-BE49-F238E27FC236}">
+                <a16:creationId xmlns:a16="http://schemas.microsoft.com/office/drawing/2014/main" id="{160AA463-C9DC-49C8-ACFB-5DCDE9A5C740}"/>
+              </a:ext>
+            </a:extLst>
+          </p:cNvPr>
+          <p:cNvSpPr/>
+          <p:nvPr/>
+        </p:nvSpPr>
+        <p:spPr>
+          <a:xfrm>
+            <a:off x="1878496" y="974036"/>
+            <a:ext cx="874644" cy="586407"/>
+          </a:xfrm>
+          <a:prstGeom prst="rect">
+            <a:avLst/>
+          </a:prstGeom>
+        </p:spPr>
+        <p:style>
+          <a:lnRef idx="2">
+            <a:schemeClr val="accent1">
+              <a:shade val="50000"/>
+            </a:schemeClr>
+          </a:lnRef>
+          <a:fillRef idx="1">
+            <a:schemeClr val="accent1"/>
+          </a:fillRef>
+          <a:effectRef idx="0">
+            <a:schemeClr val="accent1"/>
+          </a:effectRef>
+          <a:fontRef idx="minor">
+            <a:schemeClr val="lt1"/>
+          </a:fontRef>
+        </p:style>
+        <p:txBody>
+          <a:bodyPr rtlCol="0" anchor="ctr"/>
+          <a:lstStyle/>
+          <a:p>
+            <a:pPr algn="ctr"/>
+            <a:endParaRPr lang="en-US"/>
+          </a:p>
+        </p:txBody>
+      </p:sp>
+      <p:sp>
+        <p:nvSpPr>
+          <p:cNvPr id="47" name="Rectangle 46">
+            <a:extLst>
+              <a:ext uri="{FF2B5EF4-FFF2-40B4-BE49-F238E27FC236}">
+                <a16:creationId xmlns:a16="http://schemas.microsoft.com/office/drawing/2014/main" id="{25DDB58B-A3FF-4F23-8B71-B07074096C17}"/>
+              </a:ext>
+            </a:extLst>
+          </p:cNvPr>
+          <p:cNvSpPr/>
+          <p:nvPr/>
+        </p:nvSpPr>
+        <p:spPr>
+          <a:xfrm>
+            <a:off x="2753140" y="4225790"/>
+            <a:ext cx="407505" cy="715617"/>
+          </a:xfrm>
+          <a:prstGeom prst="rect">
+            <a:avLst/>
+          </a:prstGeom>
+        </p:spPr>
+        <p:style>
+          <a:lnRef idx="1">
+            <a:schemeClr val="accent1"/>
+          </a:lnRef>
+          <a:fillRef idx="2">
+            <a:schemeClr val="accent1"/>
+          </a:fillRef>
+          <a:effectRef idx="1">
+            <a:schemeClr val="accent1"/>
+          </a:effectRef>
+          <a:fontRef idx="minor">
+            <a:schemeClr val="dk1"/>
+          </a:fontRef>
+        </p:style>
+        <p:txBody>
+          <a:bodyPr rtlCol="0" anchor="ctr"/>
+          <a:lstStyle/>
+          <a:p>
+            <a:pPr algn="ctr"/>
+            <a:endParaRPr lang="en-US"/>
+          </a:p>
+        </p:txBody>
+      </p:sp>
+      <p:sp>
+        <p:nvSpPr>
+          <p:cNvPr id="48" name="Rectangle 47">
+            <a:extLst>
+              <a:ext uri="{FF2B5EF4-FFF2-40B4-BE49-F238E27FC236}">
+                <a16:creationId xmlns:a16="http://schemas.microsoft.com/office/drawing/2014/main" id="{FB157B5D-1D55-4760-BCBF-F60179FC3038}"/>
+              </a:ext>
+            </a:extLst>
+          </p:cNvPr>
+          <p:cNvSpPr/>
+          <p:nvPr/>
+        </p:nvSpPr>
+        <p:spPr>
+          <a:xfrm>
+            <a:off x="2753140" y="4355000"/>
+            <a:ext cx="874644" cy="586407"/>
+          </a:xfrm>
+          <a:prstGeom prst="rect">
+            <a:avLst/>
+          </a:prstGeom>
+        </p:spPr>
+        <p:style>
+          <a:lnRef idx="2">
+            <a:schemeClr val="accent1">
+              <a:shade val="50000"/>
+            </a:schemeClr>
+          </a:lnRef>
+          <a:fillRef idx="1">
+            <a:schemeClr val="accent1"/>
+          </a:fillRef>
+          <a:effectRef idx="0">
+            <a:schemeClr val="accent1"/>
+          </a:effectRef>
+          <a:fontRef idx="minor">
+            <a:schemeClr val="lt1"/>
+          </a:fontRef>
+        </p:style>
+        <p:txBody>
+          <a:bodyPr rtlCol="0" anchor="ctr"/>
+          <a:lstStyle/>
+          <a:p>
+            <a:pPr algn="ctr"/>
+            <a:endParaRPr lang="en-US"/>
+          </a:p>
+        </p:txBody>
+      </p:sp>
+      <p:sp>
+        <p:nvSpPr>
+          <p:cNvPr id="15" name="Rectangle: Single Corner Snipped 14">
+            <a:extLst>
+              <a:ext uri="{FF2B5EF4-FFF2-40B4-BE49-F238E27FC236}">
+                <a16:creationId xmlns:a16="http://schemas.microsoft.com/office/drawing/2014/main" id="{C2975998-9BED-4077-A227-68B5E9DBEEA4}"/>
+              </a:ext>
+            </a:extLst>
+          </p:cNvPr>
+          <p:cNvSpPr/>
+          <p:nvPr/>
+        </p:nvSpPr>
+        <p:spPr>
+          <a:xfrm>
+            <a:off x="2753140" y="1813889"/>
+            <a:ext cx="626165" cy="818322"/>
+          </a:xfrm>
+          <a:prstGeom prst="snip1Rect">
+            <a:avLst/>
+          </a:prstGeom>
+        </p:spPr>
+        <p:style>
+          <a:lnRef idx="2">
+            <a:schemeClr val="accent2">
+              <a:shade val="50000"/>
+            </a:schemeClr>
+          </a:lnRef>
+          <a:fillRef idx="1">
+            <a:schemeClr val="accent2"/>
+          </a:fillRef>
+          <a:effectRef idx="0">
+            <a:schemeClr val="accent2"/>
+          </a:effectRef>
+          <a:fontRef idx="minor">
+            <a:schemeClr val="lt1"/>
+          </a:fontRef>
+        </p:style>
+        <p:txBody>
+          <a:bodyPr rtlCol="0" anchor="ctr"/>
+          <a:lstStyle/>
+          <a:p>
+            <a:pPr algn="ctr"/>
+            <a:endParaRPr lang="en-US"/>
+          </a:p>
+        </p:txBody>
+      </p:sp>
+      <p:cxnSp>
+        <p:nvCxnSpPr>
+          <p:cNvPr id="24" name="Connector: Elbow 23">
+            <a:extLst>
+              <a:ext uri="{FF2B5EF4-FFF2-40B4-BE49-F238E27FC236}">
+                <a16:creationId xmlns:a16="http://schemas.microsoft.com/office/drawing/2014/main" id="{3FC02F14-BEC1-4586-B4BD-A47C8498DC85}"/>
+              </a:ext>
+            </a:extLst>
+          </p:cNvPr>
+          <p:cNvCxnSpPr>
+            <a:stCxn id="13" idx="2"/>
+            <a:endCxn id="48" idx="1"/>
+          </p:cNvCxnSpPr>
+          <p:nvPr/>
+        </p:nvCxnSpPr>
+        <p:spPr>
+          <a:xfrm rot="16200000" flipH="1">
+            <a:off x="990599" y="2885662"/>
+            <a:ext cx="3087761" cy="437322"/>
+          </a:xfrm>
+          <a:prstGeom prst="bentConnector2">
+            <a:avLst/>
+          </a:prstGeom>
+        </p:spPr>
+        <p:style>
+          <a:lnRef idx="1">
+            <a:schemeClr val="accent1"/>
+          </a:lnRef>
+          <a:fillRef idx="0">
+            <a:schemeClr val="accent1"/>
+          </a:fillRef>
+          <a:effectRef idx="0">
+            <a:schemeClr val="accent1"/>
+          </a:effectRef>
+          <a:fontRef idx="minor">
+            <a:schemeClr val="tx1"/>
+          </a:fontRef>
+        </p:style>
+      </p:cxnSp>
+      <p:cxnSp>
+        <p:nvCxnSpPr>
+          <p:cNvPr id="26" name="Connector: Elbow 25">
+            <a:extLst>
+              <a:ext uri="{FF2B5EF4-FFF2-40B4-BE49-F238E27FC236}">
+                <a16:creationId xmlns:a16="http://schemas.microsoft.com/office/drawing/2014/main" id="{E3DD1EFD-7D99-4EA9-8FC2-0501F484C0BF}"/>
+              </a:ext>
+            </a:extLst>
+          </p:cNvPr>
+          <p:cNvCxnSpPr>
+            <a:stCxn id="13" idx="2"/>
+            <a:endCxn id="15" idx="2"/>
+          </p:cNvCxnSpPr>
+          <p:nvPr/>
+        </p:nvCxnSpPr>
+        <p:spPr>
+          <a:xfrm rot="16200000" flipH="1">
+            <a:off x="2203176" y="1673085"/>
+            <a:ext cx="662607" cy="437322"/>
+          </a:xfrm>
+          <a:prstGeom prst="bentConnector2">
+            <a:avLst/>
+          </a:prstGeom>
+        </p:spPr>
+        <p:style>
+          <a:lnRef idx="1">
+            <a:schemeClr val="accent1"/>
+          </a:lnRef>
+          <a:fillRef idx="0">
+            <a:schemeClr val="accent1"/>
+          </a:fillRef>
+          <a:effectRef idx="0">
+            <a:schemeClr val="accent1"/>
+          </a:effectRef>
+          <a:fontRef idx="minor">
+            <a:schemeClr val="tx1"/>
+          </a:fontRef>
+        </p:style>
+      </p:cxnSp>
+      <p:sp>
+        <p:nvSpPr>
+          <p:cNvPr id="51" name="Rectangle: Single Corner Snipped 50">
+            <a:extLst>
+              <a:ext uri="{FF2B5EF4-FFF2-40B4-BE49-F238E27FC236}">
+                <a16:creationId xmlns:a16="http://schemas.microsoft.com/office/drawing/2014/main" id="{1FB38BC3-E2E4-4210-AD45-F6EDF32D4175}"/>
+              </a:ext>
+            </a:extLst>
+          </p:cNvPr>
+          <p:cNvSpPr/>
+          <p:nvPr/>
+        </p:nvSpPr>
+        <p:spPr>
+          <a:xfrm>
+            <a:off x="2743201" y="2995824"/>
+            <a:ext cx="626165" cy="818322"/>
+          </a:xfrm>
+          <a:prstGeom prst="snip1Rect">
+            <a:avLst/>
+          </a:prstGeom>
+        </p:spPr>
+        <p:style>
+          <a:lnRef idx="2">
+            <a:schemeClr val="accent2">
+              <a:shade val="50000"/>
+            </a:schemeClr>
+          </a:lnRef>
+          <a:fillRef idx="1">
+            <a:schemeClr val="accent2"/>
+          </a:fillRef>
+          <a:effectRef idx="0">
+            <a:schemeClr val="accent2"/>
+          </a:effectRef>
+          <a:fontRef idx="minor">
+            <a:schemeClr val="lt1"/>
+          </a:fontRef>
+        </p:style>
+        <p:txBody>
+          <a:bodyPr rtlCol="0" anchor="ctr"/>
+          <a:lstStyle/>
+          <a:p>
+            <a:pPr algn="ctr"/>
+            <a:endParaRPr lang="en-US"/>
+          </a:p>
+        </p:txBody>
+      </p:sp>
+      <p:cxnSp>
+        <p:nvCxnSpPr>
+          <p:cNvPr id="28" name="Connector: Elbow 27">
+            <a:extLst>
+              <a:ext uri="{FF2B5EF4-FFF2-40B4-BE49-F238E27FC236}">
+                <a16:creationId xmlns:a16="http://schemas.microsoft.com/office/drawing/2014/main" id="{968FF8B1-EB75-4DAB-AC31-10F3A464E852}"/>
+              </a:ext>
+            </a:extLst>
+          </p:cNvPr>
+          <p:cNvCxnSpPr>
+            <a:stCxn id="13" idx="2"/>
+            <a:endCxn id="51" idx="2"/>
+          </p:cNvCxnSpPr>
+          <p:nvPr/>
+        </p:nvCxnSpPr>
+        <p:spPr>
+          <a:xfrm rot="16200000" flipH="1">
+            <a:off x="1607238" y="2269022"/>
+            <a:ext cx="1844542" cy="427383"/>
+          </a:xfrm>
+          <a:prstGeom prst="bentConnector2">
+            <a:avLst/>
+          </a:prstGeom>
+        </p:spPr>
+        <p:style>
+          <a:lnRef idx="1">
+            <a:schemeClr val="accent1"/>
+          </a:lnRef>
+          <a:fillRef idx="0">
+            <a:schemeClr val="accent1"/>
+          </a:fillRef>
+          <a:effectRef idx="0">
+            <a:schemeClr val="accent1"/>
+          </a:effectRef>
+          <a:fontRef idx="minor">
+            <a:schemeClr val="tx1"/>
+          </a:fontRef>
+        </p:style>
+      </p:cxnSp>
+      <p:sp>
+        <p:nvSpPr>
+          <p:cNvPr id="59" name="Rectangle: Single Corner Snipped 58">
+            <a:extLst>
+              <a:ext uri="{FF2B5EF4-FFF2-40B4-BE49-F238E27FC236}">
+                <a16:creationId xmlns:a16="http://schemas.microsoft.com/office/drawing/2014/main" id="{C611F3E6-9A6B-4FA2-A6FF-67375B6CA9D3}"/>
+              </a:ext>
+            </a:extLst>
+          </p:cNvPr>
+          <p:cNvSpPr/>
+          <p:nvPr/>
+        </p:nvSpPr>
+        <p:spPr>
+          <a:xfrm>
+            <a:off x="3627784" y="5472322"/>
+            <a:ext cx="626165" cy="818322"/>
+          </a:xfrm>
+          <a:prstGeom prst="snip1Rect">
+            <a:avLst/>
+          </a:prstGeom>
+        </p:spPr>
+        <p:style>
+          <a:lnRef idx="2">
+            <a:schemeClr val="accent2">
+              <a:shade val="50000"/>
+            </a:schemeClr>
+          </a:lnRef>
+          <a:fillRef idx="1">
+            <a:schemeClr val="accent2"/>
+          </a:fillRef>
+          <a:effectRef idx="0">
+            <a:schemeClr val="accent2"/>
+          </a:effectRef>
+          <a:fontRef idx="minor">
+            <a:schemeClr val="lt1"/>
+          </a:fontRef>
+        </p:style>
+        <p:txBody>
+          <a:bodyPr rtlCol="0" anchor="ctr"/>
+          <a:lstStyle/>
+          <a:p>
+            <a:pPr algn="ctr"/>
+            <a:endParaRPr lang="en-US"/>
+          </a:p>
+        </p:txBody>
+      </p:sp>
+      <p:cxnSp>
+        <p:nvCxnSpPr>
+          <p:cNvPr id="50" name="Connector: Elbow 49">
+            <a:extLst>
+              <a:ext uri="{FF2B5EF4-FFF2-40B4-BE49-F238E27FC236}">
+                <a16:creationId xmlns:a16="http://schemas.microsoft.com/office/drawing/2014/main" id="{072D6D41-03A5-4D02-82D4-55E66C2763A2}"/>
+              </a:ext>
+            </a:extLst>
+          </p:cNvPr>
+          <p:cNvCxnSpPr>
+            <a:stCxn id="48" idx="2"/>
+            <a:endCxn id="59" idx="2"/>
+          </p:cNvCxnSpPr>
+          <p:nvPr/>
+        </p:nvCxnSpPr>
+        <p:spPr>
+          <a:xfrm rot="16200000" flipH="1">
+            <a:off x="2939085" y="5192784"/>
+            <a:ext cx="940076" cy="437322"/>
+          </a:xfrm>
+          <a:prstGeom prst="bentConnector2">
+            <a:avLst/>
+          </a:prstGeom>
+        </p:spPr>
+        <p:style>
+          <a:lnRef idx="1">
+            <a:schemeClr val="accent1"/>
+          </a:lnRef>
+          <a:fillRef idx="0">
+            <a:schemeClr val="accent1"/>
+          </a:fillRef>
+          <a:effectRef idx="0">
+            <a:schemeClr val="accent1"/>
+          </a:effectRef>
+          <a:fontRef idx="minor">
+            <a:schemeClr val="tx1"/>
+          </a:fontRef>
+        </p:style>
+      </p:cxnSp>
+      <p:sp>
+        <p:nvSpPr>
+          <p:cNvPr id="62" name="Rectangle 61">
+            <a:extLst>
+              <a:ext uri="{FF2B5EF4-FFF2-40B4-BE49-F238E27FC236}">
+                <a16:creationId xmlns:a16="http://schemas.microsoft.com/office/drawing/2014/main" id="{951DBA2C-6224-4212-9658-AB74CBA5D6AA}"/>
+              </a:ext>
+            </a:extLst>
+          </p:cNvPr>
+          <p:cNvSpPr/>
+          <p:nvPr/>
+        </p:nvSpPr>
+        <p:spPr>
+          <a:xfrm>
+            <a:off x="5658678" y="844825"/>
+            <a:ext cx="407505" cy="715617"/>
+          </a:xfrm>
+          <a:prstGeom prst="rect">
+            <a:avLst/>
+          </a:prstGeom>
+        </p:spPr>
+        <p:style>
+          <a:lnRef idx="1">
+            <a:schemeClr val="accent1"/>
+          </a:lnRef>
+          <a:fillRef idx="2">
+            <a:schemeClr val="accent1"/>
+          </a:fillRef>
+          <a:effectRef idx="1">
+            <a:schemeClr val="accent1"/>
+          </a:effectRef>
+          <a:fontRef idx="minor">
+            <a:schemeClr val="dk1"/>
+          </a:fontRef>
+        </p:style>
+        <p:txBody>
+          <a:bodyPr rtlCol="0" anchor="ctr"/>
+          <a:lstStyle/>
+          <a:p>
+            <a:pPr algn="ctr"/>
+            <a:endParaRPr lang="en-US"/>
+          </a:p>
+        </p:txBody>
+      </p:sp>
+      <p:sp>
+        <p:nvSpPr>
+          <p:cNvPr id="63" name="Rectangle 62">
+            <a:extLst>
+              <a:ext uri="{FF2B5EF4-FFF2-40B4-BE49-F238E27FC236}">
+                <a16:creationId xmlns:a16="http://schemas.microsoft.com/office/drawing/2014/main" id="{53791C3C-E640-4917-A66A-8BF4D12CD9F0}"/>
+              </a:ext>
+            </a:extLst>
+          </p:cNvPr>
+          <p:cNvSpPr/>
+          <p:nvPr/>
+        </p:nvSpPr>
+        <p:spPr>
+          <a:xfrm>
+            <a:off x="5658678" y="974035"/>
+            <a:ext cx="874644" cy="586407"/>
+          </a:xfrm>
+          <a:prstGeom prst="rect">
+            <a:avLst/>
+          </a:prstGeom>
+        </p:spPr>
+        <p:style>
+          <a:lnRef idx="2">
+            <a:schemeClr val="accent1">
+              <a:shade val="50000"/>
+            </a:schemeClr>
+          </a:lnRef>
+          <a:fillRef idx="1">
+            <a:schemeClr val="accent1"/>
+          </a:fillRef>
+          <a:effectRef idx="0">
+            <a:schemeClr val="accent1"/>
+          </a:effectRef>
+          <a:fontRef idx="minor">
+            <a:schemeClr val="lt1"/>
+          </a:fontRef>
+        </p:style>
+        <p:txBody>
+          <a:bodyPr rtlCol="0" anchor="ctr"/>
+          <a:lstStyle/>
+          <a:p>
+            <a:pPr algn="ctr"/>
+            <a:endParaRPr lang="en-US"/>
+          </a:p>
+        </p:txBody>
+      </p:sp>
+      <p:cxnSp>
+        <p:nvCxnSpPr>
+          <p:cNvPr id="53" name="Straight Connector 52">
+            <a:extLst>
+              <a:ext uri="{FF2B5EF4-FFF2-40B4-BE49-F238E27FC236}">
+                <a16:creationId xmlns:a16="http://schemas.microsoft.com/office/drawing/2014/main" id="{94B8C1F4-FD58-47AD-98F3-CFDE6804A9D4}"/>
+              </a:ext>
+            </a:extLst>
+          </p:cNvPr>
+          <p:cNvCxnSpPr>
+            <a:stCxn id="13" idx="3"/>
+            <a:endCxn id="63" idx="1"/>
+          </p:cNvCxnSpPr>
+          <p:nvPr/>
+        </p:nvCxnSpPr>
+        <p:spPr>
+          <a:xfrm flipV="1">
+            <a:off x="2753140" y="1267239"/>
+            <a:ext cx="2905538" cy="1"/>
+          </a:xfrm>
+          <a:prstGeom prst="line">
+            <a:avLst/>
+          </a:prstGeom>
+          <a:ln w="9525" cap="flat" cmpd="sng" algn="ctr">
+            <a:solidFill>
+              <a:schemeClr val="dk1"/>
+            </a:solidFill>
+            <a:prstDash val="dash"/>
+            <a:round/>
+            <a:headEnd type="none" w="med" len="med"/>
+            <a:tailEnd type="none" w="med" len="med"/>
+          </a:ln>
+        </p:spPr>
+        <p:style>
+          <a:lnRef idx="0">
+            <a:scrgbClr r="0" g="0" b="0"/>
+          </a:lnRef>
+          <a:fillRef idx="0">
+            <a:scrgbClr r="0" g="0" b="0"/>
+          </a:fillRef>
+          <a:effectRef idx="0">
+            <a:scrgbClr r="0" g="0" b="0"/>
+          </a:effectRef>
+          <a:fontRef idx="minor">
+            <a:schemeClr val="tx1"/>
+          </a:fontRef>
+        </p:style>
+      </p:cxnSp>
+      <p:sp>
+        <p:nvSpPr>
+          <p:cNvPr id="66" name="Rectangle 65">
+            <a:extLst>
+              <a:ext uri="{FF2B5EF4-FFF2-40B4-BE49-F238E27FC236}">
+                <a16:creationId xmlns:a16="http://schemas.microsoft.com/office/drawing/2014/main" id="{0E5DE1E9-8579-4F34-9047-493DF8F89795}"/>
+              </a:ext>
+            </a:extLst>
+          </p:cNvPr>
+          <p:cNvSpPr/>
+          <p:nvPr/>
+        </p:nvSpPr>
+        <p:spPr>
+          <a:xfrm>
+            <a:off x="5661991" y="1797325"/>
+            <a:ext cx="407505" cy="715617"/>
+          </a:xfrm>
+          <a:prstGeom prst="rect">
+            <a:avLst/>
+          </a:prstGeom>
+        </p:spPr>
+        <p:style>
+          <a:lnRef idx="1">
+            <a:schemeClr val="accent1"/>
+          </a:lnRef>
+          <a:fillRef idx="2">
+            <a:schemeClr val="accent1"/>
+          </a:fillRef>
+          <a:effectRef idx="1">
+            <a:schemeClr val="accent1"/>
+          </a:effectRef>
+          <a:fontRef idx="minor">
+            <a:schemeClr val="dk1"/>
+          </a:fontRef>
+        </p:style>
+        <p:txBody>
+          <a:bodyPr rtlCol="0" anchor="ctr"/>
+          <a:lstStyle/>
+          <a:p>
+            <a:pPr algn="ctr"/>
+            <a:endParaRPr lang="en-US"/>
+          </a:p>
+        </p:txBody>
+      </p:sp>
+      <p:sp>
+        <p:nvSpPr>
+          <p:cNvPr id="67" name="Rectangle 66">
+            <a:extLst>
+              <a:ext uri="{FF2B5EF4-FFF2-40B4-BE49-F238E27FC236}">
+                <a16:creationId xmlns:a16="http://schemas.microsoft.com/office/drawing/2014/main" id="{2103C9D2-8D39-43BC-81B9-D4F71F25943E}"/>
+              </a:ext>
+            </a:extLst>
+          </p:cNvPr>
+          <p:cNvSpPr/>
+          <p:nvPr/>
+        </p:nvSpPr>
+        <p:spPr>
+          <a:xfrm>
+            <a:off x="5661991" y="1926548"/>
+            <a:ext cx="874644" cy="586407"/>
+          </a:xfrm>
+          <a:prstGeom prst="rect">
+            <a:avLst/>
+          </a:prstGeom>
+        </p:spPr>
+        <p:style>
+          <a:lnRef idx="2">
+            <a:schemeClr val="accent1">
+              <a:shade val="50000"/>
+            </a:schemeClr>
+          </a:lnRef>
+          <a:fillRef idx="1">
+            <a:schemeClr val="accent1"/>
+          </a:fillRef>
+          <a:effectRef idx="0">
+            <a:schemeClr val="accent1"/>
+          </a:effectRef>
+          <a:fontRef idx="minor">
+            <a:schemeClr val="lt1"/>
+          </a:fontRef>
+        </p:style>
+        <p:txBody>
+          <a:bodyPr rtlCol="0" anchor="ctr"/>
+          <a:lstStyle/>
+          <a:p>
+            <a:pPr algn="ctr"/>
+            <a:endParaRPr lang="en-US"/>
+          </a:p>
+        </p:txBody>
+      </p:sp>
+      <p:sp>
+        <p:nvSpPr>
+          <p:cNvPr id="68" name="Rectangle 67">
+            <a:extLst>
+              <a:ext uri="{FF2B5EF4-FFF2-40B4-BE49-F238E27FC236}">
+                <a16:creationId xmlns:a16="http://schemas.microsoft.com/office/drawing/2014/main" id="{3E273ABD-8FFA-4EAC-9D7A-A707869D2E2A}"/>
+              </a:ext>
+            </a:extLst>
+          </p:cNvPr>
+          <p:cNvSpPr/>
+          <p:nvPr/>
+        </p:nvSpPr>
+        <p:spPr>
+          <a:xfrm>
+            <a:off x="5628861" y="2989200"/>
+            <a:ext cx="407505" cy="715617"/>
+          </a:xfrm>
+          <a:prstGeom prst="rect">
+            <a:avLst/>
+          </a:prstGeom>
+        </p:spPr>
+        <p:style>
+          <a:lnRef idx="1">
+            <a:schemeClr val="accent1"/>
+          </a:lnRef>
+          <a:fillRef idx="2">
+            <a:schemeClr val="accent1"/>
+          </a:fillRef>
+          <a:effectRef idx="1">
+            <a:schemeClr val="accent1"/>
+          </a:effectRef>
+          <a:fontRef idx="minor">
+            <a:schemeClr val="dk1"/>
+          </a:fontRef>
+        </p:style>
+        <p:txBody>
+          <a:bodyPr rtlCol="0" anchor="ctr"/>
+          <a:lstStyle/>
+          <a:p>
+            <a:pPr algn="ctr"/>
+            <a:endParaRPr lang="en-US"/>
+          </a:p>
+        </p:txBody>
+      </p:sp>
+      <p:sp>
+        <p:nvSpPr>
+          <p:cNvPr id="69" name="Rectangle 68">
+            <a:extLst>
+              <a:ext uri="{FF2B5EF4-FFF2-40B4-BE49-F238E27FC236}">
+                <a16:creationId xmlns:a16="http://schemas.microsoft.com/office/drawing/2014/main" id="{9BF9A8DE-1930-4BBD-8315-9EF80F4E49B8}"/>
+              </a:ext>
+            </a:extLst>
+          </p:cNvPr>
+          <p:cNvSpPr/>
+          <p:nvPr/>
+        </p:nvSpPr>
+        <p:spPr>
+          <a:xfrm>
+            <a:off x="5628861" y="3118401"/>
+            <a:ext cx="874644" cy="586407"/>
+          </a:xfrm>
+          <a:prstGeom prst="rect">
+            <a:avLst/>
+          </a:prstGeom>
+        </p:spPr>
+        <p:style>
+          <a:lnRef idx="2">
+            <a:schemeClr val="accent1">
+              <a:shade val="50000"/>
+            </a:schemeClr>
+          </a:lnRef>
+          <a:fillRef idx="1">
+            <a:schemeClr val="accent1"/>
+          </a:fillRef>
+          <a:effectRef idx="0">
+            <a:schemeClr val="accent1"/>
+          </a:effectRef>
+          <a:fontRef idx="minor">
+            <a:schemeClr val="lt1"/>
+          </a:fontRef>
+        </p:style>
+        <p:txBody>
+          <a:bodyPr rtlCol="0" anchor="ctr"/>
+          <a:lstStyle/>
+          <a:p>
+            <a:pPr algn="ctr"/>
+            <a:endParaRPr lang="en-US"/>
+          </a:p>
+        </p:txBody>
+      </p:sp>
+      <p:sp>
+        <p:nvSpPr>
+          <p:cNvPr id="70" name="Rectangle 69">
+            <a:extLst>
+              <a:ext uri="{FF2B5EF4-FFF2-40B4-BE49-F238E27FC236}">
+                <a16:creationId xmlns:a16="http://schemas.microsoft.com/office/drawing/2014/main" id="{9CAC67A9-4804-4D25-85D6-196E680734CB}"/>
+              </a:ext>
+            </a:extLst>
+          </p:cNvPr>
+          <p:cNvSpPr/>
+          <p:nvPr/>
+        </p:nvSpPr>
+        <p:spPr>
+          <a:xfrm>
+            <a:off x="5628861" y="4192655"/>
+            <a:ext cx="407505" cy="715617"/>
+          </a:xfrm>
+          <a:prstGeom prst="rect">
+            <a:avLst/>
+          </a:prstGeom>
+        </p:spPr>
+        <p:style>
+          <a:lnRef idx="1">
+            <a:schemeClr val="accent1"/>
+          </a:lnRef>
+          <a:fillRef idx="2">
+            <a:schemeClr val="accent1"/>
+          </a:fillRef>
+          <a:effectRef idx="1">
+            <a:schemeClr val="accent1"/>
+          </a:effectRef>
+          <a:fontRef idx="minor">
+            <a:schemeClr val="dk1"/>
+          </a:fontRef>
+        </p:style>
+        <p:txBody>
+          <a:bodyPr rtlCol="0" anchor="ctr"/>
+          <a:lstStyle/>
+          <a:p>
+            <a:pPr algn="ctr"/>
+            <a:endParaRPr lang="en-US"/>
+          </a:p>
+        </p:txBody>
+      </p:sp>
+      <p:sp>
+        <p:nvSpPr>
+          <p:cNvPr id="77" name="Rectangle 76">
+            <a:extLst>
+              <a:ext uri="{FF2B5EF4-FFF2-40B4-BE49-F238E27FC236}">
+                <a16:creationId xmlns:a16="http://schemas.microsoft.com/office/drawing/2014/main" id="{212307A4-8F50-4C33-81DA-2FC75E42DEB0}"/>
+              </a:ext>
+            </a:extLst>
+          </p:cNvPr>
+          <p:cNvSpPr/>
+          <p:nvPr/>
+        </p:nvSpPr>
+        <p:spPr>
+          <a:xfrm>
+            <a:off x="5628861" y="4331804"/>
+            <a:ext cx="874644" cy="586407"/>
+          </a:xfrm>
+          <a:prstGeom prst="rect">
+            <a:avLst/>
+          </a:prstGeom>
+        </p:spPr>
+        <p:style>
+          <a:lnRef idx="2">
+            <a:schemeClr val="accent1">
+              <a:shade val="50000"/>
+            </a:schemeClr>
+          </a:lnRef>
+          <a:fillRef idx="1">
+            <a:schemeClr val="accent1"/>
+          </a:fillRef>
+          <a:effectRef idx="0">
+            <a:schemeClr val="accent1"/>
+          </a:effectRef>
+          <a:fontRef idx="minor">
+            <a:schemeClr val="lt1"/>
+          </a:fontRef>
+        </p:style>
+        <p:txBody>
+          <a:bodyPr rtlCol="0" anchor="ctr"/>
+          <a:lstStyle/>
+          <a:p>
+            <a:pPr algn="ctr"/>
+            <a:endParaRPr lang="en-US"/>
+          </a:p>
+        </p:txBody>
+      </p:sp>
+      <p:sp>
+        <p:nvSpPr>
+          <p:cNvPr id="79" name="Rectangle 78">
+            <a:extLst>
+              <a:ext uri="{FF2B5EF4-FFF2-40B4-BE49-F238E27FC236}">
+                <a16:creationId xmlns:a16="http://schemas.microsoft.com/office/drawing/2014/main" id="{99EC1D27-31D2-482E-929D-A0E97A83EDA5}"/>
+              </a:ext>
+            </a:extLst>
+          </p:cNvPr>
+          <p:cNvSpPr/>
+          <p:nvPr/>
+        </p:nvSpPr>
+        <p:spPr>
+          <a:xfrm>
+            <a:off x="5599044" y="5472322"/>
+            <a:ext cx="407505" cy="715617"/>
+          </a:xfrm>
+          <a:prstGeom prst="rect">
+            <a:avLst/>
+          </a:prstGeom>
+        </p:spPr>
+        <p:style>
+          <a:lnRef idx="1">
+            <a:schemeClr val="accent1"/>
+          </a:lnRef>
+          <a:fillRef idx="2">
+            <a:schemeClr val="accent1"/>
+          </a:fillRef>
+          <a:effectRef idx="1">
+            <a:schemeClr val="accent1"/>
+          </a:effectRef>
+          <a:fontRef idx="minor">
+            <a:schemeClr val="dk1"/>
+          </a:fontRef>
+        </p:style>
+        <p:txBody>
+          <a:bodyPr rtlCol="0" anchor="ctr"/>
+          <a:lstStyle/>
+          <a:p>
+            <a:pPr algn="ctr"/>
+            <a:endParaRPr lang="en-US"/>
+          </a:p>
+        </p:txBody>
+      </p:sp>
+      <p:sp>
+        <p:nvSpPr>
+          <p:cNvPr id="81" name="Rectangle 80">
+            <a:extLst>
+              <a:ext uri="{FF2B5EF4-FFF2-40B4-BE49-F238E27FC236}">
+                <a16:creationId xmlns:a16="http://schemas.microsoft.com/office/drawing/2014/main" id="{58796CEC-F7B7-4FEB-91CF-EEE9FB32E116}"/>
+              </a:ext>
+            </a:extLst>
+          </p:cNvPr>
+          <p:cNvSpPr/>
+          <p:nvPr/>
+        </p:nvSpPr>
+        <p:spPr>
+          <a:xfrm>
+            <a:off x="5599044" y="5601532"/>
+            <a:ext cx="874644" cy="586407"/>
+          </a:xfrm>
+          <a:prstGeom prst="rect">
+            <a:avLst/>
+          </a:prstGeom>
+        </p:spPr>
+        <p:style>
+          <a:lnRef idx="2">
+            <a:schemeClr val="accent1">
+              <a:shade val="50000"/>
+            </a:schemeClr>
+          </a:lnRef>
+          <a:fillRef idx="1">
+            <a:schemeClr val="accent1"/>
+          </a:fillRef>
+          <a:effectRef idx="0">
+            <a:schemeClr val="accent1"/>
+          </a:effectRef>
+          <a:fontRef idx="minor">
+            <a:schemeClr val="lt1"/>
+          </a:fontRef>
+        </p:style>
+        <p:txBody>
+          <a:bodyPr rtlCol="0" anchor="ctr"/>
+          <a:lstStyle/>
+          <a:p>
+            <a:pPr algn="ctr"/>
+            <a:endParaRPr lang="en-US"/>
+          </a:p>
+        </p:txBody>
+      </p:sp>
+      <p:cxnSp>
+        <p:nvCxnSpPr>
+          <p:cNvPr id="83" name="Straight Connector 82">
+            <a:extLst>
+              <a:ext uri="{FF2B5EF4-FFF2-40B4-BE49-F238E27FC236}">
+                <a16:creationId xmlns:a16="http://schemas.microsoft.com/office/drawing/2014/main" id="{832C667E-16D4-430E-A040-BF1EFFC05893}"/>
+              </a:ext>
+            </a:extLst>
+          </p:cNvPr>
+          <p:cNvCxnSpPr>
+            <a:cxnSpLocks/>
+            <a:stCxn id="48" idx="3"/>
+            <a:endCxn id="77" idx="1"/>
+          </p:cNvCxnSpPr>
+          <p:nvPr/>
+        </p:nvCxnSpPr>
+        <p:spPr>
+          <a:xfrm flipV="1">
+            <a:off x="3627784" y="4625008"/>
+            <a:ext cx="2001077" cy="23196"/>
+          </a:xfrm>
+          <a:prstGeom prst="line">
+            <a:avLst/>
+          </a:prstGeom>
+          <a:ln w="9525" cap="flat" cmpd="sng" algn="ctr">
+            <a:solidFill>
+              <a:schemeClr val="dk1"/>
+            </a:solidFill>
+            <a:prstDash val="dash"/>
+            <a:round/>
+            <a:headEnd type="none" w="med" len="med"/>
+            <a:tailEnd type="none" w="med" len="med"/>
+          </a:ln>
+        </p:spPr>
+        <p:style>
+          <a:lnRef idx="0">
+            <a:scrgbClr r="0" g="0" b="0"/>
+          </a:lnRef>
+          <a:fillRef idx="0">
+            <a:scrgbClr r="0" g="0" b="0"/>
+          </a:fillRef>
+          <a:effectRef idx="0">
+            <a:scrgbClr r="0" g="0" b="0"/>
+          </a:effectRef>
+          <a:fontRef idx="minor">
+            <a:schemeClr val="tx1"/>
+          </a:fontRef>
+        </p:style>
+      </p:cxnSp>
+      <p:cxnSp>
+        <p:nvCxnSpPr>
+          <p:cNvPr id="84" name="Straight Connector 83">
+            <a:extLst>
+              <a:ext uri="{FF2B5EF4-FFF2-40B4-BE49-F238E27FC236}">
+                <a16:creationId xmlns:a16="http://schemas.microsoft.com/office/drawing/2014/main" id="{4D6C617F-D1CF-488E-A187-4BC49BF3D035}"/>
+              </a:ext>
+            </a:extLst>
+          </p:cNvPr>
+          <p:cNvCxnSpPr>
+            <a:cxnSpLocks/>
+            <a:stCxn id="51" idx="0"/>
+            <a:endCxn id="69" idx="1"/>
+          </p:cNvCxnSpPr>
+          <p:nvPr/>
+        </p:nvCxnSpPr>
+        <p:spPr>
+          <a:xfrm>
+            <a:off x="3369366" y="3404985"/>
+            <a:ext cx="2259495" cy="6620"/>
+          </a:xfrm>
+          <a:prstGeom prst="line">
+            <a:avLst/>
+          </a:prstGeom>
+          <a:ln w="9525" cap="flat" cmpd="sng" algn="ctr">
+            <a:solidFill>
+              <a:schemeClr val="dk1"/>
+            </a:solidFill>
+            <a:prstDash val="dash"/>
+            <a:round/>
+            <a:headEnd type="none" w="med" len="med"/>
+            <a:tailEnd type="none" w="med" len="med"/>
+          </a:ln>
+        </p:spPr>
+        <p:style>
+          <a:lnRef idx="0">
+            <a:scrgbClr r="0" g="0" b="0"/>
+          </a:lnRef>
+          <a:fillRef idx="0">
+            <a:scrgbClr r="0" g="0" b="0"/>
+          </a:fillRef>
+          <a:effectRef idx="0">
+            <a:scrgbClr r="0" g="0" b="0"/>
+          </a:effectRef>
+          <a:fontRef idx="minor">
+            <a:schemeClr val="tx1"/>
+          </a:fontRef>
+        </p:style>
+      </p:cxnSp>
+      <p:cxnSp>
+        <p:nvCxnSpPr>
+          <p:cNvPr id="85" name="Straight Connector 84">
+            <a:extLst>
+              <a:ext uri="{FF2B5EF4-FFF2-40B4-BE49-F238E27FC236}">
+                <a16:creationId xmlns:a16="http://schemas.microsoft.com/office/drawing/2014/main" id="{4526E532-3756-48B5-97B5-4258E4EC5768}"/>
+              </a:ext>
+            </a:extLst>
+          </p:cNvPr>
+          <p:cNvCxnSpPr>
+            <a:cxnSpLocks/>
+            <a:stCxn id="15" idx="0"/>
+            <a:endCxn id="67" idx="1"/>
+          </p:cNvCxnSpPr>
+          <p:nvPr/>
+        </p:nvCxnSpPr>
+        <p:spPr>
+          <a:xfrm flipV="1">
+            <a:off x="3379305" y="2219752"/>
+            <a:ext cx="2282686" cy="3298"/>
+          </a:xfrm>
+          <a:prstGeom prst="line">
+            <a:avLst/>
+          </a:prstGeom>
+          <a:ln w="9525" cap="flat" cmpd="sng" algn="ctr">
+            <a:solidFill>
+              <a:schemeClr val="dk1"/>
+            </a:solidFill>
+            <a:prstDash val="dash"/>
+            <a:round/>
+            <a:headEnd type="none" w="med" len="med"/>
+            <a:tailEnd type="none" w="med" len="med"/>
+          </a:ln>
+        </p:spPr>
+        <p:style>
+          <a:lnRef idx="0">
+            <a:scrgbClr r="0" g="0" b="0"/>
+          </a:lnRef>
+          <a:fillRef idx="0">
+            <a:scrgbClr r="0" g="0" b="0"/>
+          </a:fillRef>
+          <a:effectRef idx="0">
+            <a:scrgbClr r="0" g="0" b="0"/>
+          </a:effectRef>
+          <a:fontRef idx="minor">
+            <a:schemeClr val="tx1"/>
+          </a:fontRef>
+        </p:style>
+      </p:cxnSp>
+      <p:cxnSp>
+        <p:nvCxnSpPr>
+          <p:cNvPr id="86" name="Straight Connector 85">
+            <a:extLst>
+              <a:ext uri="{FF2B5EF4-FFF2-40B4-BE49-F238E27FC236}">
+                <a16:creationId xmlns:a16="http://schemas.microsoft.com/office/drawing/2014/main" id="{E077D15C-C5DC-4827-A601-373D16C45397}"/>
+              </a:ext>
+            </a:extLst>
+          </p:cNvPr>
+          <p:cNvCxnSpPr>
+            <a:cxnSpLocks/>
+            <a:stCxn id="59" idx="0"/>
+            <a:endCxn id="81" idx="1"/>
+          </p:cNvCxnSpPr>
+          <p:nvPr/>
+        </p:nvCxnSpPr>
+        <p:spPr>
+          <a:xfrm>
+            <a:off x="4253949" y="5881483"/>
+            <a:ext cx="1345095" cy="13253"/>
+          </a:xfrm>
+          <a:prstGeom prst="line">
+            <a:avLst/>
+          </a:prstGeom>
+          <a:ln w="9525" cap="flat" cmpd="sng" algn="ctr">
+            <a:solidFill>
+              <a:schemeClr val="dk1"/>
+            </a:solidFill>
+            <a:prstDash val="dash"/>
+            <a:round/>
+            <a:headEnd type="none" w="med" len="med"/>
+            <a:tailEnd type="none" w="med" len="med"/>
+          </a:ln>
+        </p:spPr>
+        <p:style>
+          <a:lnRef idx="0">
+            <a:scrgbClr r="0" g="0" b="0"/>
+          </a:lnRef>
+          <a:fillRef idx="0">
+            <a:scrgbClr r="0" g="0" b="0"/>
+          </a:fillRef>
+          <a:effectRef idx="0">
+            <a:scrgbClr r="0" g="0" b="0"/>
+          </a:effectRef>
+          <a:fontRef idx="minor">
+            <a:schemeClr val="tx1"/>
+          </a:fontRef>
+        </p:style>
+      </p:cxnSp>
+      <p:sp>
+        <p:nvSpPr>
+          <p:cNvPr id="89" name="TextBox 88">
+            <a:extLst>
+              <a:ext uri="{FF2B5EF4-FFF2-40B4-BE49-F238E27FC236}">
+                <a16:creationId xmlns:a16="http://schemas.microsoft.com/office/drawing/2014/main" id="{DE1AA6FA-8AB6-4CFC-9F8C-7E92C43171A0}"/>
+              </a:ext>
+            </a:extLst>
+          </p:cNvPr>
+          <p:cNvSpPr txBox="1"/>
+          <p:nvPr/>
+        </p:nvSpPr>
+        <p:spPr>
+          <a:xfrm>
+            <a:off x="3220280" y="974035"/>
+            <a:ext cx="1590260" cy="369332"/>
+          </a:xfrm>
+          <a:prstGeom prst="rect">
+            <a:avLst/>
+          </a:prstGeom>
+          <a:noFill/>
+        </p:spPr>
+        <p:txBody>
+          <a:bodyPr wrap="square" rtlCol="0">
+            <a:spAutoFit/>
+          </a:bodyPr>
+          <a:lstStyle/>
+          <a:p>
+            <a:r>
+              <a:rPr lang="zh-CN" altLang="en-US" dirty="0"/>
+              <a:t>散列隐射算法</a:t>
+            </a:r>
+            <a:endParaRPr lang="en-US" dirty="0"/>
+          </a:p>
+        </p:txBody>
+      </p:sp>
+      <p:sp>
+        <p:nvSpPr>
+          <p:cNvPr id="91" name="TextBox 90">
+            <a:extLst>
+              <a:ext uri="{FF2B5EF4-FFF2-40B4-BE49-F238E27FC236}">
+                <a16:creationId xmlns:a16="http://schemas.microsoft.com/office/drawing/2014/main" id="{BB59DFE4-A42D-4CD6-ADF0-A86804557CC1}"/>
+              </a:ext>
+            </a:extLst>
+          </p:cNvPr>
+          <p:cNvSpPr txBox="1"/>
+          <p:nvPr/>
+        </p:nvSpPr>
+        <p:spPr>
+          <a:xfrm>
+            <a:off x="2082248" y="443121"/>
+            <a:ext cx="1172818" cy="369332"/>
+          </a:xfrm>
+          <a:prstGeom prst="rect">
+            <a:avLst/>
+          </a:prstGeom>
+          <a:noFill/>
+        </p:spPr>
+        <p:txBody>
+          <a:bodyPr wrap="square" rtlCol="0">
+            <a:spAutoFit/>
+          </a:bodyPr>
+          <a:lstStyle/>
+          <a:p>
+            <a:r>
+              <a:rPr lang="zh-CN" altLang="en-US" dirty="0"/>
+              <a:t>实文件</a:t>
+            </a:r>
+            <a:endParaRPr lang="en-US" dirty="0"/>
+          </a:p>
+        </p:txBody>
+      </p:sp>
+      <p:sp>
+        <p:nvSpPr>
+          <p:cNvPr id="92" name="TextBox 91">
+            <a:extLst>
+              <a:ext uri="{FF2B5EF4-FFF2-40B4-BE49-F238E27FC236}">
+                <a16:creationId xmlns:a16="http://schemas.microsoft.com/office/drawing/2014/main" id="{49E7B0A5-A3B3-4D62-8AEB-546FFC89C604}"/>
+              </a:ext>
+            </a:extLst>
+          </p:cNvPr>
+          <p:cNvSpPr txBox="1"/>
+          <p:nvPr/>
+        </p:nvSpPr>
+        <p:spPr>
+          <a:xfrm>
+            <a:off x="5599044" y="427386"/>
+            <a:ext cx="1172818" cy="369332"/>
+          </a:xfrm>
+          <a:prstGeom prst="rect">
+            <a:avLst/>
+          </a:prstGeom>
+          <a:noFill/>
+        </p:spPr>
+        <p:txBody>
+          <a:bodyPr wrap="square" rtlCol="0">
+            <a:spAutoFit/>
+          </a:bodyPr>
+          <a:lstStyle/>
+          <a:p>
+            <a:r>
+              <a:rPr lang="zh-CN" altLang="en-US" dirty="0"/>
+              <a:t>备注目录</a:t>
+            </a:r>
+            <a:endParaRPr lang="en-US" dirty="0"/>
+          </a:p>
+        </p:txBody>
+      </p:sp>
+      <p:sp>
+        <p:nvSpPr>
+          <p:cNvPr id="93" name="Rectangle: Single Corner Snipped 92">
+            <a:extLst>
+              <a:ext uri="{FF2B5EF4-FFF2-40B4-BE49-F238E27FC236}">
+                <a16:creationId xmlns:a16="http://schemas.microsoft.com/office/drawing/2014/main" id="{EF0D4940-E34E-46BF-8A1E-EF28EE619D4B}"/>
+              </a:ext>
+            </a:extLst>
+          </p:cNvPr>
+          <p:cNvSpPr/>
+          <p:nvPr/>
+        </p:nvSpPr>
+        <p:spPr>
+          <a:xfrm>
+            <a:off x="6841435" y="751879"/>
+            <a:ext cx="313083" cy="441909"/>
+          </a:xfrm>
+          <a:prstGeom prst="snip1Rect">
+            <a:avLst/>
+          </a:prstGeom>
+        </p:spPr>
+        <p:style>
+          <a:lnRef idx="2">
+            <a:schemeClr val="accent2">
+              <a:shade val="50000"/>
+            </a:schemeClr>
+          </a:lnRef>
+          <a:fillRef idx="1">
+            <a:schemeClr val="accent2"/>
+          </a:fillRef>
+          <a:effectRef idx="0">
+            <a:schemeClr val="accent2"/>
+          </a:effectRef>
+          <a:fontRef idx="minor">
+            <a:schemeClr val="lt1"/>
+          </a:fontRef>
+        </p:style>
+        <p:txBody>
+          <a:bodyPr rtlCol="0" anchor="ctr"/>
+          <a:lstStyle/>
+          <a:p>
+            <a:pPr algn="ctr"/>
+            <a:endParaRPr lang="en-US"/>
+          </a:p>
+        </p:txBody>
+      </p:sp>
+      <p:sp>
+        <p:nvSpPr>
+          <p:cNvPr id="94" name="Rectangle 93">
+            <a:extLst>
+              <a:ext uri="{FF2B5EF4-FFF2-40B4-BE49-F238E27FC236}">
+                <a16:creationId xmlns:a16="http://schemas.microsoft.com/office/drawing/2014/main" id="{809BE001-7BF6-41B3-891F-EA6EF1E2A21C}"/>
+              </a:ext>
+            </a:extLst>
+          </p:cNvPr>
+          <p:cNvSpPr/>
+          <p:nvPr/>
+        </p:nvSpPr>
+        <p:spPr>
+          <a:xfrm>
+            <a:off x="6843091" y="1267239"/>
+            <a:ext cx="195468" cy="309768"/>
+          </a:xfrm>
+          <a:prstGeom prst="rect">
+            <a:avLst/>
+          </a:prstGeom>
+        </p:spPr>
+        <p:style>
+          <a:lnRef idx="1">
+            <a:schemeClr val="accent1"/>
+          </a:lnRef>
+          <a:fillRef idx="2">
+            <a:schemeClr val="accent1"/>
+          </a:fillRef>
+          <a:effectRef idx="1">
+            <a:schemeClr val="accent1"/>
+          </a:effectRef>
+          <a:fontRef idx="minor">
+            <a:schemeClr val="dk1"/>
+          </a:fontRef>
+        </p:style>
+        <p:txBody>
+          <a:bodyPr rtlCol="0" anchor="ctr"/>
+          <a:lstStyle/>
+          <a:p>
+            <a:pPr algn="ctr"/>
+            <a:endParaRPr lang="en-US"/>
+          </a:p>
+        </p:txBody>
+      </p:sp>
+      <p:sp>
+        <p:nvSpPr>
+          <p:cNvPr id="95" name="Rectangle 94">
+            <a:extLst>
+              <a:ext uri="{FF2B5EF4-FFF2-40B4-BE49-F238E27FC236}">
+                <a16:creationId xmlns:a16="http://schemas.microsoft.com/office/drawing/2014/main" id="{1F676F41-B95E-4EB2-BEF6-74053A3F0B0B}"/>
+              </a:ext>
+            </a:extLst>
+          </p:cNvPr>
+          <p:cNvSpPr/>
+          <p:nvPr/>
+        </p:nvSpPr>
+        <p:spPr>
+          <a:xfrm>
+            <a:off x="6843090" y="1328195"/>
+            <a:ext cx="470451" cy="309768"/>
+          </a:xfrm>
+          <a:prstGeom prst="rect">
+            <a:avLst/>
+          </a:prstGeom>
+        </p:spPr>
+        <p:style>
+          <a:lnRef idx="2">
+            <a:schemeClr val="accent1">
+              <a:shade val="50000"/>
+            </a:schemeClr>
+          </a:lnRef>
+          <a:fillRef idx="1">
+            <a:schemeClr val="accent1"/>
+          </a:fillRef>
+          <a:effectRef idx="0">
+            <a:schemeClr val="accent1"/>
+          </a:effectRef>
+          <a:fontRef idx="minor">
+            <a:schemeClr val="lt1"/>
+          </a:fontRef>
+        </p:style>
+        <p:txBody>
+          <a:bodyPr rtlCol="0" anchor="ctr"/>
+          <a:lstStyle/>
+          <a:p>
+            <a:pPr algn="ctr"/>
+            <a:endParaRPr lang="en-US"/>
+          </a:p>
+        </p:txBody>
+      </p:sp>
+      <p:cxnSp>
+        <p:nvCxnSpPr>
+          <p:cNvPr id="102" name="Connector: Elbow 101">
+            <a:extLst>
+              <a:ext uri="{FF2B5EF4-FFF2-40B4-BE49-F238E27FC236}">
+                <a16:creationId xmlns:a16="http://schemas.microsoft.com/office/drawing/2014/main" id="{D153B15B-C88B-4699-9013-80372F0CBCFB}"/>
+              </a:ext>
+            </a:extLst>
+          </p:cNvPr>
+          <p:cNvCxnSpPr>
+            <a:stCxn id="63" idx="3"/>
+            <a:endCxn id="93" idx="2"/>
+          </p:cNvCxnSpPr>
+          <p:nvPr/>
+        </p:nvCxnSpPr>
+        <p:spPr>
+          <a:xfrm flipV="1">
+            <a:off x="6533322" y="972834"/>
+            <a:ext cx="308113" cy="294405"/>
+          </a:xfrm>
+          <a:prstGeom prst="bentConnector3">
+            <a:avLst/>
+          </a:prstGeom>
+        </p:spPr>
+        <p:style>
+          <a:lnRef idx="1">
+            <a:schemeClr val="accent1"/>
+          </a:lnRef>
+          <a:fillRef idx="0">
+            <a:schemeClr val="accent1"/>
+          </a:fillRef>
+          <a:effectRef idx="0">
+            <a:schemeClr val="accent1"/>
+          </a:effectRef>
+          <a:fontRef idx="minor">
+            <a:schemeClr val="tx1"/>
+          </a:fontRef>
+        </p:style>
+      </p:cxnSp>
+      <p:cxnSp>
+        <p:nvCxnSpPr>
+          <p:cNvPr id="104" name="Connector: Elbow 103">
+            <a:extLst>
+              <a:ext uri="{FF2B5EF4-FFF2-40B4-BE49-F238E27FC236}">
+                <a16:creationId xmlns:a16="http://schemas.microsoft.com/office/drawing/2014/main" id="{40C0F524-A144-4F1F-AD34-EFE0662FD92D}"/>
+              </a:ext>
+            </a:extLst>
+          </p:cNvPr>
+          <p:cNvCxnSpPr>
+            <a:stCxn id="63" idx="3"/>
+            <a:endCxn id="95" idx="1"/>
+          </p:cNvCxnSpPr>
+          <p:nvPr/>
+        </p:nvCxnSpPr>
+        <p:spPr>
+          <a:xfrm>
+            <a:off x="6533322" y="1267239"/>
+            <a:ext cx="309768" cy="215840"/>
+          </a:xfrm>
+          <a:prstGeom prst="bentConnector3">
+            <a:avLst/>
+          </a:prstGeom>
+        </p:spPr>
+        <p:style>
+          <a:lnRef idx="1">
+            <a:schemeClr val="accent1"/>
+          </a:lnRef>
+          <a:fillRef idx="0">
+            <a:schemeClr val="accent1"/>
+          </a:fillRef>
+          <a:effectRef idx="0">
+            <a:schemeClr val="accent1"/>
+          </a:effectRef>
+          <a:fontRef idx="minor">
+            <a:schemeClr val="tx1"/>
+          </a:fontRef>
+        </p:style>
+      </p:cxnSp>
+      <p:sp>
+        <p:nvSpPr>
+          <p:cNvPr id="105" name="Rectangle: Single Corner Snipped 104">
+            <a:extLst>
+              <a:ext uri="{FF2B5EF4-FFF2-40B4-BE49-F238E27FC236}">
+                <a16:creationId xmlns:a16="http://schemas.microsoft.com/office/drawing/2014/main" id="{92553817-C1D8-4C11-A0C1-B00AB001CCCA}"/>
+              </a:ext>
+            </a:extLst>
+          </p:cNvPr>
+          <p:cNvSpPr/>
+          <p:nvPr/>
+        </p:nvSpPr>
+        <p:spPr>
+          <a:xfrm>
+            <a:off x="6853026" y="1730620"/>
+            <a:ext cx="313083" cy="441909"/>
+          </a:xfrm>
+          <a:prstGeom prst="snip1Rect">
+            <a:avLst/>
+          </a:prstGeom>
+        </p:spPr>
+        <p:style>
+          <a:lnRef idx="2">
+            <a:schemeClr val="accent2">
+              <a:shade val="50000"/>
+            </a:schemeClr>
+          </a:lnRef>
+          <a:fillRef idx="1">
+            <a:schemeClr val="accent2"/>
+          </a:fillRef>
+          <a:effectRef idx="0">
+            <a:schemeClr val="accent2"/>
+          </a:effectRef>
+          <a:fontRef idx="minor">
+            <a:schemeClr val="lt1"/>
+          </a:fontRef>
+        </p:style>
+        <p:txBody>
+          <a:bodyPr rtlCol="0" anchor="ctr"/>
+          <a:lstStyle/>
+          <a:p>
+            <a:pPr algn="ctr"/>
+            <a:endParaRPr lang="en-US"/>
+          </a:p>
+        </p:txBody>
+      </p:sp>
+      <p:sp>
+        <p:nvSpPr>
+          <p:cNvPr id="106" name="Rectangle 105">
+            <a:extLst>
+              <a:ext uri="{FF2B5EF4-FFF2-40B4-BE49-F238E27FC236}">
+                <a16:creationId xmlns:a16="http://schemas.microsoft.com/office/drawing/2014/main" id="{739AF958-F6EC-4E07-BC7E-C8BB1680BF66}"/>
+              </a:ext>
+            </a:extLst>
+          </p:cNvPr>
+          <p:cNvSpPr/>
+          <p:nvPr/>
+        </p:nvSpPr>
+        <p:spPr>
+          <a:xfrm>
+            <a:off x="6854682" y="2245980"/>
+            <a:ext cx="195468" cy="309768"/>
+          </a:xfrm>
+          <a:prstGeom prst="rect">
+            <a:avLst/>
+          </a:prstGeom>
+        </p:spPr>
+        <p:style>
+          <a:lnRef idx="1">
+            <a:schemeClr val="accent1"/>
+          </a:lnRef>
+          <a:fillRef idx="2">
+            <a:schemeClr val="accent1"/>
+          </a:fillRef>
+          <a:effectRef idx="1">
+            <a:schemeClr val="accent1"/>
+          </a:effectRef>
+          <a:fontRef idx="minor">
+            <a:schemeClr val="dk1"/>
+          </a:fontRef>
+        </p:style>
+        <p:txBody>
+          <a:bodyPr rtlCol="0" anchor="ctr"/>
+          <a:lstStyle/>
+          <a:p>
+            <a:pPr algn="ctr"/>
+            <a:endParaRPr lang="en-US"/>
+          </a:p>
+        </p:txBody>
+      </p:sp>
+      <p:sp>
+        <p:nvSpPr>
+          <p:cNvPr id="107" name="Rectangle 106">
+            <a:extLst>
+              <a:ext uri="{FF2B5EF4-FFF2-40B4-BE49-F238E27FC236}">
+                <a16:creationId xmlns:a16="http://schemas.microsoft.com/office/drawing/2014/main" id="{776304BA-5F46-48CD-BE37-F884C053623A}"/>
+              </a:ext>
+            </a:extLst>
+          </p:cNvPr>
+          <p:cNvSpPr/>
+          <p:nvPr/>
+        </p:nvSpPr>
+        <p:spPr>
+          <a:xfrm>
+            <a:off x="6854681" y="2306936"/>
+            <a:ext cx="470451" cy="309768"/>
+          </a:xfrm>
+          <a:prstGeom prst="rect">
+            <a:avLst/>
+          </a:prstGeom>
+        </p:spPr>
+        <p:style>
+          <a:lnRef idx="2">
+            <a:schemeClr val="accent1">
+              <a:shade val="50000"/>
+            </a:schemeClr>
+          </a:lnRef>
+          <a:fillRef idx="1">
+            <a:schemeClr val="accent1"/>
+          </a:fillRef>
+          <a:effectRef idx="0">
+            <a:schemeClr val="accent1"/>
+          </a:effectRef>
+          <a:fontRef idx="minor">
+            <a:schemeClr val="lt1"/>
+          </a:fontRef>
+        </p:style>
+        <p:txBody>
+          <a:bodyPr rtlCol="0" anchor="ctr"/>
+          <a:lstStyle/>
+          <a:p>
+            <a:pPr algn="ctr"/>
+            <a:endParaRPr lang="en-US"/>
+          </a:p>
+        </p:txBody>
+      </p:sp>
+      <p:cxnSp>
+        <p:nvCxnSpPr>
+          <p:cNvPr id="108" name="Connector: Elbow 107">
+            <a:extLst>
+              <a:ext uri="{FF2B5EF4-FFF2-40B4-BE49-F238E27FC236}">
+                <a16:creationId xmlns:a16="http://schemas.microsoft.com/office/drawing/2014/main" id="{D300AF0E-9C81-4D20-A047-780C4347736A}"/>
+              </a:ext>
+            </a:extLst>
+          </p:cNvPr>
+          <p:cNvCxnSpPr>
+            <a:endCxn id="105" idx="2"/>
+          </p:cNvCxnSpPr>
+          <p:nvPr/>
+        </p:nvCxnSpPr>
+        <p:spPr>
+          <a:xfrm flipV="1">
+            <a:off x="6544913" y="1951575"/>
+            <a:ext cx="308113" cy="294405"/>
+          </a:xfrm>
+          <a:prstGeom prst="bentConnector3">
+            <a:avLst/>
+          </a:prstGeom>
+        </p:spPr>
+        <p:style>
+          <a:lnRef idx="1">
+            <a:schemeClr val="accent1"/>
+          </a:lnRef>
+          <a:fillRef idx="0">
+            <a:schemeClr val="accent1"/>
+          </a:fillRef>
+          <a:effectRef idx="0">
+            <a:schemeClr val="accent1"/>
+          </a:effectRef>
+          <a:fontRef idx="minor">
+            <a:schemeClr val="tx1"/>
+          </a:fontRef>
+        </p:style>
+      </p:cxnSp>
+      <p:cxnSp>
+        <p:nvCxnSpPr>
+          <p:cNvPr id="109" name="Connector: Elbow 108">
+            <a:extLst>
+              <a:ext uri="{FF2B5EF4-FFF2-40B4-BE49-F238E27FC236}">
+                <a16:creationId xmlns:a16="http://schemas.microsoft.com/office/drawing/2014/main" id="{500F46BB-A9B6-4138-BCA2-A56D5011DF4A}"/>
+              </a:ext>
+            </a:extLst>
+          </p:cNvPr>
+          <p:cNvCxnSpPr>
+            <a:endCxn id="107" idx="1"/>
+          </p:cNvCxnSpPr>
+          <p:nvPr/>
+        </p:nvCxnSpPr>
+        <p:spPr>
+          <a:xfrm>
+            <a:off x="6544913" y="2245980"/>
+            <a:ext cx="309768" cy="215840"/>
+          </a:xfrm>
+          <a:prstGeom prst="bentConnector3">
+            <a:avLst/>
+          </a:prstGeom>
+        </p:spPr>
+        <p:style>
+          <a:lnRef idx="1">
+            <a:schemeClr val="accent1"/>
+          </a:lnRef>
+          <a:fillRef idx="0">
+            <a:schemeClr val="accent1"/>
+          </a:fillRef>
+          <a:effectRef idx="0">
+            <a:schemeClr val="accent1"/>
+          </a:effectRef>
+          <a:fontRef idx="minor">
+            <a:schemeClr val="tx1"/>
+          </a:fontRef>
+        </p:style>
+      </p:cxnSp>
+      <p:sp>
+        <p:nvSpPr>
+          <p:cNvPr id="110" name="Rectangle: Single Corner Snipped 109">
+            <a:extLst>
+              <a:ext uri="{FF2B5EF4-FFF2-40B4-BE49-F238E27FC236}">
+                <a16:creationId xmlns:a16="http://schemas.microsoft.com/office/drawing/2014/main" id="{029E7ECC-2917-491E-A621-FBF24A6876B7}"/>
+              </a:ext>
+            </a:extLst>
+          </p:cNvPr>
+          <p:cNvSpPr/>
+          <p:nvPr/>
+        </p:nvSpPr>
+        <p:spPr>
+          <a:xfrm>
+            <a:off x="6801675" y="2914200"/>
+            <a:ext cx="313083" cy="441909"/>
+          </a:xfrm>
+          <a:prstGeom prst="snip1Rect">
+            <a:avLst/>
+          </a:prstGeom>
+        </p:spPr>
+        <p:style>
+          <a:lnRef idx="2">
+            <a:schemeClr val="accent2">
+              <a:shade val="50000"/>
+            </a:schemeClr>
+          </a:lnRef>
+          <a:fillRef idx="1">
+            <a:schemeClr val="accent2"/>
+          </a:fillRef>
+          <a:effectRef idx="0">
+            <a:schemeClr val="accent2"/>
+          </a:effectRef>
+          <a:fontRef idx="minor">
+            <a:schemeClr val="lt1"/>
+          </a:fontRef>
+        </p:style>
+        <p:txBody>
+          <a:bodyPr rtlCol="0" anchor="ctr"/>
+          <a:lstStyle/>
+          <a:p>
+            <a:pPr algn="ctr"/>
+            <a:endParaRPr lang="en-US"/>
+          </a:p>
+        </p:txBody>
+      </p:sp>
+      <p:sp>
+        <p:nvSpPr>
+          <p:cNvPr id="111" name="Rectangle 110">
+            <a:extLst>
+              <a:ext uri="{FF2B5EF4-FFF2-40B4-BE49-F238E27FC236}">
+                <a16:creationId xmlns:a16="http://schemas.microsoft.com/office/drawing/2014/main" id="{ACB6F106-A2B3-4FC2-B153-788EB4AD1174}"/>
+              </a:ext>
+            </a:extLst>
+          </p:cNvPr>
+          <p:cNvSpPr/>
+          <p:nvPr/>
+        </p:nvSpPr>
+        <p:spPr>
+          <a:xfrm>
+            <a:off x="6803331" y="3429560"/>
+            <a:ext cx="195468" cy="309768"/>
+          </a:xfrm>
+          <a:prstGeom prst="rect">
+            <a:avLst/>
+          </a:prstGeom>
+        </p:spPr>
+        <p:style>
+          <a:lnRef idx="1">
+            <a:schemeClr val="accent1"/>
+          </a:lnRef>
+          <a:fillRef idx="2">
+            <a:schemeClr val="accent1"/>
+          </a:fillRef>
+          <a:effectRef idx="1">
+            <a:schemeClr val="accent1"/>
+          </a:effectRef>
+          <a:fontRef idx="minor">
+            <a:schemeClr val="dk1"/>
+          </a:fontRef>
+        </p:style>
+        <p:txBody>
+          <a:bodyPr rtlCol="0" anchor="ctr"/>
+          <a:lstStyle/>
+          <a:p>
+            <a:pPr algn="ctr"/>
+            <a:endParaRPr lang="en-US"/>
+          </a:p>
+        </p:txBody>
+      </p:sp>
+      <p:sp>
+        <p:nvSpPr>
+          <p:cNvPr id="112" name="Rectangle 111">
+            <a:extLst>
+              <a:ext uri="{FF2B5EF4-FFF2-40B4-BE49-F238E27FC236}">
+                <a16:creationId xmlns:a16="http://schemas.microsoft.com/office/drawing/2014/main" id="{A0181840-615C-4F5F-B034-DF5132C8C264}"/>
+              </a:ext>
+            </a:extLst>
+          </p:cNvPr>
+          <p:cNvSpPr/>
+          <p:nvPr/>
+        </p:nvSpPr>
+        <p:spPr>
+          <a:xfrm>
+            <a:off x="6803330" y="3490516"/>
+            <a:ext cx="470451" cy="309768"/>
+          </a:xfrm>
+          <a:prstGeom prst="rect">
+            <a:avLst/>
+          </a:prstGeom>
+        </p:spPr>
+        <p:style>
+          <a:lnRef idx="2">
+            <a:schemeClr val="accent1">
+              <a:shade val="50000"/>
+            </a:schemeClr>
+          </a:lnRef>
+          <a:fillRef idx="1">
+            <a:schemeClr val="accent1"/>
+          </a:fillRef>
+          <a:effectRef idx="0">
+            <a:schemeClr val="accent1"/>
+          </a:effectRef>
+          <a:fontRef idx="minor">
+            <a:schemeClr val="lt1"/>
+          </a:fontRef>
+        </p:style>
+        <p:txBody>
+          <a:bodyPr rtlCol="0" anchor="ctr"/>
+          <a:lstStyle/>
+          <a:p>
+            <a:pPr algn="ctr"/>
+            <a:endParaRPr lang="en-US"/>
+          </a:p>
+        </p:txBody>
+      </p:sp>
+      <p:cxnSp>
+        <p:nvCxnSpPr>
+          <p:cNvPr id="113" name="Connector: Elbow 112">
+            <a:extLst>
+              <a:ext uri="{FF2B5EF4-FFF2-40B4-BE49-F238E27FC236}">
+                <a16:creationId xmlns:a16="http://schemas.microsoft.com/office/drawing/2014/main" id="{5F475627-CFC7-43FA-B696-E9D534C53EDB}"/>
+              </a:ext>
+            </a:extLst>
+          </p:cNvPr>
+          <p:cNvCxnSpPr>
+            <a:endCxn id="110" idx="2"/>
+          </p:cNvCxnSpPr>
+          <p:nvPr/>
+        </p:nvCxnSpPr>
+        <p:spPr>
+          <a:xfrm flipV="1">
+            <a:off x="6493562" y="3135155"/>
+            <a:ext cx="308113" cy="294405"/>
+          </a:xfrm>
+          <a:prstGeom prst="bentConnector3">
+            <a:avLst/>
+          </a:prstGeom>
+        </p:spPr>
+        <p:style>
+          <a:lnRef idx="1">
+            <a:schemeClr val="accent1"/>
+          </a:lnRef>
+          <a:fillRef idx="0">
+            <a:schemeClr val="accent1"/>
+          </a:fillRef>
+          <a:effectRef idx="0">
+            <a:schemeClr val="accent1"/>
+          </a:effectRef>
+          <a:fontRef idx="minor">
+            <a:schemeClr val="tx1"/>
+          </a:fontRef>
+        </p:style>
+      </p:cxnSp>
+      <p:cxnSp>
+        <p:nvCxnSpPr>
+          <p:cNvPr id="114" name="Connector: Elbow 113">
+            <a:extLst>
+              <a:ext uri="{FF2B5EF4-FFF2-40B4-BE49-F238E27FC236}">
+                <a16:creationId xmlns:a16="http://schemas.microsoft.com/office/drawing/2014/main" id="{029CFD38-1895-48B5-8CCC-7BEE23477CD0}"/>
+              </a:ext>
+            </a:extLst>
+          </p:cNvPr>
+          <p:cNvCxnSpPr>
+            <a:endCxn id="112" idx="1"/>
+          </p:cNvCxnSpPr>
+          <p:nvPr/>
+        </p:nvCxnSpPr>
+        <p:spPr>
+          <a:xfrm>
+            <a:off x="6493562" y="3429560"/>
+            <a:ext cx="309768" cy="215840"/>
+          </a:xfrm>
+          <a:prstGeom prst="bentConnector3">
+            <a:avLst/>
+          </a:prstGeom>
+        </p:spPr>
+        <p:style>
+          <a:lnRef idx="1">
+            <a:schemeClr val="accent1"/>
+          </a:lnRef>
+          <a:fillRef idx="0">
+            <a:schemeClr val="accent1"/>
+          </a:fillRef>
+          <a:effectRef idx="0">
+            <a:schemeClr val="accent1"/>
+          </a:effectRef>
+          <a:fontRef idx="minor">
+            <a:schemeClr val="tx1"/>
+          </a:fontRef>
+        </p:style>
+      </p:cxnSp>
+      <p:sp>
+        <p:nvSpPr>
+          <p:cNvPr id="115" name="Rectangle: Single Corner Snipped 114">
+            <a:extLst>
+              <a:ext uri="{FF2B5EF4-FFF2-40B4-BE49-F238E27FC236}">
+                <a16:creationId xmlns:a16="http://schemas.microsoft.com/office/drawing/2014/main" id="{2B3189FB-9BE1-41D5-BABE-97EB19C86968}"/>
+              </a:ext>
+            </a:extLst>
+          </p:cNvPr>
+          <p:cNvSpPr/>
+          <p:nvPr/>
+        </p:nvSpPr>
+        <p:spPr>
+          <a:xfrm>
+            <a:off x="6814924" y="4097780"/>
+            <a:ext cx="313083" cy="441909"/>
+          </a:xfrm>
+          <a:prstGeom prst="snip1Rect">
+            <a:avLst/>
+          </a:prstGeom>
+        </p:spPr>
+        <p:style>
+          <a:lnRef idx="2">
+            <a:schemeClr val="accent2">
+              <a:shade val="50000"/>
+            </a:schemeClr>
+          </a:lnRef>
+          <a:fillRef idx="1">
+            <a:schemeClr val="accent2"/>
+          </a:fillRef>
+          <a:effectRef idx="0">
+            <a:schemeClr val="accent2"/>
+          </a:effectRef>
+          <a:fontRef idx="minor">
+            <a:schemeClr val="lt1"/>
+          </a:fontRef>
+        </p:style>
+        <p:txBody>
+          <a:bodyPr rtlCol="0" anchor="ctr"/>
+          <a:lstStyle/>
+          <a:p>
+            <a:pPr algn="ctr"/>
+            <a:endParaRPr lang="en-US"/>
+          </a:p>
+        </p:txBody>
+      </p:sp>
+      <p:sp>
+        <p:nvSpPr>
+          <p:cNvPr id="116" name="Rectangle 115">
+            <a:extLst>
+              <a:ext uri="{FF2B5EF4-FFF2-40B4-BE49-F238E27FC236}">
+                <a16:creationId xmlns:a16="http://schemas.microsoft.com/office/drawing/2014/main" id="{6CF7B3EF-804C-4146-BCAA-C6D249C708B7}"/>
+              </a:ext>
+            </a:extLst>
+          </p:cNvPr>
+          <p:cNvSpPr/>
+          <p:nvPr/>
+        </p:nvSpPr>
+        <p:spPr>
+          <a:xfrm>
+            <a:off x="6816580" y="4613140"/>
+            <a:ext cx="195468" cy="309768"/>
+          </a:xfrm>
+          <a:prstGeom prst="rect">
+            <a:avLst/>
+          </a:prstGeom>
+        </p:spPr>
+        <p:style>
+          <a:lnRef idx="1">
+            <a:schemeClr val="accent1"/>
+          </a:lnRef>
+          <a:fillRef idx="2">
+            <a:schemeClr val="accent1"/>
+          </a:fillRef>
+          <a:effectRef idx="1">
+            <a:schemeClr val="accent1"/>
+          </a:effectRef>
+          <a:fontRef idx="minor">
+            <a:schemeClr val="dk1"/>
+          </a:fontRef>
+        </p:style>
+        <p:txBody>
+          <a:bodyPr rtlCol="0" anchor="ctr"/>
+          <a:lstStyle/>
+          <a:p>
+            <a:pPr algn="ctr"/>
+            <a:endParaRPr lang="en-US"/>
+          </a:p>
+        </p:txBody>
+      </p:sp>
+      <p:sp>
+        <p:nvSpPr>
+          <p:cNvPr id="117" name="Rectangle 116">
+            <a:extLst>
+              <a:ext uri="{FF2B5EF4-FFF2-40B4-BE49-F238E27FC236}">
+                <a16:creationId xmlns:a16="http://schemas.microsoft.com/office/drawing/2014/main" id="{7DB7EA7B-CA14-46E5-8E7A-983F88C5E1D1}"/>
+              </a:ext>
+            </a:extLst>
+          </p:cNvPr>
+          <p:cNvSpPr/>
+          <p:nvPr/>
+        </p:nvSpPr>
+        <p:spPr>
+          <a:xfrm>
+            <a:off x="6816579" y="4674096"/>
+            <a:ext cx="470451" cy="309768"/>
+          </a:xfrm>
+          <a:prstGeom prst="rect">
+            <a:avLst/>
+          </a:prstGeom>
+        </p:spPr>
+        <p:style>
+          <a:lnRef idx="2">
+            <a:schemeClr val="accent1">
+              <a:shade val="50000"/>
+            </a:schemeClr>
+          </a:lnRef>
+          <a:fillRef idx="1">
+            <a:schemeClr val="accent1"/>
+          </a:fillRef>
+          <a:effectRef idx="0">
+            <a:schemeClr val="accent1"/>
+          </a:effectRef>
+          <a:fontRef idx="minor">
+            <a:schemeClr val="lt1"/>
+          </a:fontRef>
+        </p:style>
+        <p:txBody>
+          <a:bodyPr rtlCol="0" anchor="ctr"/>
+          <a:lstStyle/>
+          <a:p>
+            <a:pPr algn="ctr"/>
+            <a:endParaRPr lang="en-US"/>
+          </a:p>
+        </p:txBody>
+      </p:sp>
+      <p:cxnSp>
+        <p:nvCxnSpPr>
+          <p:cNvPr id="118" name="Connector: Elbow 117">
+            <a:extLst>
+              <a:ext uri="{FF2B5EF4-FFF2-40B4-BE49-F238E27FC236}">
+                <a16:creationId xmlns:a16="http://schemas.microsoft.com/office/drawing/2014/main" id="{6D993020-0F3C-4375-A0DF-478BFD416D06}"/>
+              </a:ext>
+            </a:extLst>
+          </p:cNvPr>
+          <p:cNvCxnSpPr>
+            <a:endCxn id="115" idx="2"/>
+          </p:cNvCxnSpPr>
+          <p:nvPr/>
+        </p:nvCxnSpPr>
+        <p:spPr>
+          <a:xfrm flipV="1">
+            <a:off x="6506811" y="4318735"/>
+            <a:ext cx="308113" cy="294405"/>
+          </a:xfrm>
+          <a:prstGeom prst="bentConnector3">
+            <a:avLst/>
+          </a:prstGeom>
+        </p:spPr>
+        <p:style>
+          <a:lnRef idx="1">
+            <a:schemeClr val="accent1"/>
+          </a:lnRef>
+          <a:fillRef idx="0">
+            <a:schemeClr val="accent1"/>
+          </a:fillRef>
+          <a:effectRef idx="0">
+            <a:schemeClr val="accent1"/>
+          </a:effectRef>
+          <a:fontRef idx="minor">
+            <a:schemeClr val="tx1"/>
+          </a:fontRef>
+        </p:style>
+      </p:cxnSp>
+      <p:cxnSp>
+        <p:nvCxnSpPr>
+          <p:cNvPr id="119" name="Connector: Elbow 118">
+            <a:extLst>
+              <a:ext uri="{FF2B5EF4-FFF2-40B4-BE49-F238E27FC236}">
+                <a16:creationId xmlns:a16="http://schemas.microsoft.com/office/drawing/2014/main" id="{975A51B2-7F5B-46D3-99A3-652475DC9E4D}"/>
+              </a:ext>
+            </a:extLst>
+          </p:cNvPr>
+          <p:cNvCxnSpPr>
+            <a:cxnSpLocks/>
+            <a:endCxn id="117" idx="1"/>
+          </p:cNvCxnSpPr>
+          <p:nvPr/>
+        </p:nvCxnSpPr>
+        <p:spPr>
+          <a:xfrm>
+            <a:off x="6506811" y="4613140"/>
+            <a:ext cx="309768" cy="215840"/>
+          </a:xfrm>
+          <a:prstGeom prst="bentConnector3">
+            <a:avLst>
+              <a:gd name="adj1" fmla="val 50000"/>
+            </a:avLst>
+          </a:prstGeom>
+        </p:spPr>
+        <p:style>
+          <a:lnRef idx="1">
+            <a:schemeClr val="accent1"/>
+          </a:lnRef>
+          <a:fillRef idx="0">
+            <a:schemeClr val="accent1"/>
+          </a:fillRef>
+          <a:effectRef idx="0">
+            <a:schemeClr val="accent1"/>
+          </a:effectRef>
+          <a:fontRef idx="minor">
+            <a:schemeClr val="tx1"/>
+          </a:fontRef>
+        </p:style>
+      </p:cxnSp>
+      <p:sp>
+        <p:nvSpPr>
+          <p:cNvPr id="121" name="Rectangle: Single Corner Snipped 120">
+            <a:extLst>
+              <a:ext uri="{FF2B5EF4-FFF2-40B4-BE49-F238E27FC236}">
+                <a16:creationId xmlns:a16="http://schemas.microsoft.com/office/drawing/2014/main" id="{50B6920E-B36F-4293-B80E-43B08A9718B1}"/>
+              </a:ext>
+            </a:extLst>
+          </p:cNvPr>
+          <p:cNvSpPr/>
+          <p:nvPr/>
+        </p:nvSpPr>
+        <p:spPr>
+          <a:xfrm>
+            <a:off x="6761918" y="5423285"/>
+            <a:ext cx="313083" cy="441909"/>
+          </a:xfrm>
+          <a:prstGeom prst="snip1Rect">
+            <a:avLst/>
+          </a:prstGeom>
+        </p:spPr>
+        <p:style>
+          <a:lnRef idx="2">
+            <a:schemeClr val="accent2">
+              <a:shade val="50000"/>
+            </a:schemeClr>
+          </a:lnRef>
+          <a:fillRef idx="1">
+            <a:schemeClr val="accent2"/>
+          </a:fillRef>
+          <a:effectRef idx="0">
+            <a:schemeClr val="accent2"/>
+          </a:effectRef>
+          <a:fontRef idx="minor">
+            <a:schemeClr val="lt1"/>
+          </a:fontRef>
+        </p:style>
+        <p:txBody>
+          <a:bodyPr rtlCol="0" anchor="ctr"/>
+          <a:lstStyle/>
+          <a:p>
+            <a:pPr algn="ctr"/>
+            <a:endParaRPr lang="en-US"/>
+          </a:p>
+        </p:txBody>
+      </p:sp>
+      <p:sp>
+        <p:nvSpPr>
+          <p:cNvPr id="122" name="Rectangle 121">
+            <a:extLst>
+              <a:ext uri="{FF2B5EF4-FFF2-40B4-BE49-F238E27FC236}">
+                <a16:creationId xmlns:a16="http://schemas.microsoft.com/office/drawing/2014/main" id="{84C297A3-9A1F-401A-9FCC-BB1209E1C379}"/>
+              </a:ext>
+            </a:extLst>
+          </p:cNvPr>
+          <p:cNvSpPr/>
+          <p:nvPr/>
+        </p:nvSpPr>
+        <p:spPr>
+          <a:xfrm>
+            <a:off x="6763574" y="5938645"/>
+            <a:ext cx="195468" cy="309768"/>
+          </a:xfrm>
+          <a:prstGeom prst="rect">
+            <a:avLst/>
+          </a:prstGeom>
+        </p:spPr>
+        <p:style>
+          <a:lnRef idx="1">
+            <a:schemeClr val="accent1"/>
+          </a:lnRef>
+          <a:fillRef idx="2">
+            <a:schemeClr val="accent1"/>
+          </a:fillRef>
+          <a:effectRef idx="1">
+            <a:schemeClr val="accent1"/>
+          </a:effectRef>
+          <a:fontRef idx="minor">
+            <a:schemeClr val="dk1"/>
+          </a:fontRef>
+        </p:style>
+        <p:txBody>
+          <a:bodyPr rtlCol="0" anchor="ctr"/>
+          <a:lstStyle/>
+          <a:p>
+            <a:pPr algn="ctr"/>
+            <a:endParaRPr lang="en-US"/>
+          </a:p>
+        </p:txBody>
+      </p:sp>
+      <p:sp>
+        <p:nvSpPr>
+          <p:cNvPr id="123" name="Rectangle 122">
+            <a:extLst>
+              <a:ext uri="{FF2B5EF4-FFF2-40B4-BE49-F238E27FC236}">
+                <a16:creationId xmlns:a16="http://schemas.microsoft.com/office/drawing/2014/main" id="{2DB8CF46-A5FE-4886-95A2-65C4EF3FCBBB}"/>
+              </a:ext>
+            </a:extLst>
+          </p:cNvPr>
+          <p:cNvSpPr/>
+          <p:nvPr/>
+        </p:nvSpPr>
+        <p:spPr>
+          <a:xfrm>
+            <a:off x="6763573" y="5999601"/>
+            <a:ext cx="470451" cy="309768"/>
+          </a:xfrm>
+          <a:prstGeom prst="rect">
+            <a:avLst/>
+          </a:prstGeom>
+        </p:spPr>
+        <p:style>
+          <a:lnRef idx="2">
+            <a:schemeClr val="accent1">
+              <a:shade val="50000"/>
+            </a:schemeClr>
+          </a:lnRef>
+          <a:fillRef idx="1">
+            <a:schemeClr val="accent1"/>
+          </a:fillRef>
+          <a:effectRef idx="0">
+            <a:schemeClr val="accent1"/>
+          </a:effectRef>
+          <a:fontRef idx="minor">
+            <a:schemeClr val="lt1"/>
+          </a:fontRef>
+        </p:style>
+        <p:txBody>
+          <a:bodyPr rtlCol="0" anchor="ctr"/>
+          <a:lstStyle/>
+          <a:p>
+            <a:pPr algn="ctr"/>
+            <a:endParaRPr lang="en-US"/>
+          </a:p>
+        </p:txBody>
+      </p:sp>
+      <p:cxnSp>
+        <p:nvCxnSpPr>
+          <p:cNvPr id="124" name="Connector: Elbow 123">
+            <a:extLst>
+              <a:ext uri="{FF2B5EF4-FFF2-40B4-BE49-F238E27FC236}">
+                <a16:creationId xmlns:a16="http://schemas.microsoft.com/office/drawing/2014/main" id="{1E86F968-649E-4D34-A7D4-DAFA288B2A37}"/>
+              </a:ext>
+            </a:extLst>
+          </p:cNvPr>
+          <p:cNvCxnSpPr>
+            <a:endCxn id="121" idx="2"/>
+          </p:cNvCxnSpPr>
+          <p:nvPr/>
+        </p:nvCxnSpPr>
+        <p:spPr>
+          <a:xfrm flipV="1">
+            <a:off x="6453805" y="5644240"/>
+            <a:ext cx="308113" cy="294405"/>
+          </a:xfrm>
+          <a:prstGeom prst="bentConnector3">
+            <a:avLst/>
+          </a:prstGeom>
+        </p:spPr>
+        <p:style>
+          <a:lnRef idx="1">
+            <a:schemeClr val="accent1"/>
+          </a:lnRef>
+          <a:fillRef idx="0">
+            <a:schemeClr val="accent1"/>
+          </a:fillRef>
+          <a:effectRef idx="0">
+            <a:schemeClr val="accent1"/>
+          </a:effectRef>
+          <a:fontRef idx="minor">
+            <a:schemeClr val="tx1"/>
+          </a:fontRef>
+        </p:style>
+      </p:cxnSp>
+      <p:cxnSp>
+        <p:nvCxnSpPr>
+          <p:cNvPr id="125" name="Connector: Elbow 124">
+            <a:extLst>
+              <a:ext uri="{FF2B5EF4-FFF2-40B4-BE49-F238E27FC236}">
+                <a16:creationId xmlns:a16="http://schemas.microsoft.com/office/drawing/2014/main" id="{2C1EEE56-F934-4F06-9AAB-5D82F7160F9B}"/>
+              </a:ext>
+            </a:extLst>
+          </p:cNvPr>
+          <p:cNvCxnSpPr>
+            <a:cxnSpLocks/>
+            <a:endCxn id="123" idx="1"/>
+          </p:cNvCxnSpPr>
+          <p:nvPr/>
+        </p:nvCxnSpPr>
+        <p:spPr>
+          <a:xfrm>
+            <a:off x="6453805" y="5938645"/>
+            <a:ext cx="309768" cy="215840"/>
+          </a:xfrm>
+          <a:prstGeom prst="bentConnector3">
+            <a:avLst>
+              <a:gd name="adj1" fmla="val 50000"/>
+            </a:avLst>
+          </a:prstGeom>
+        </p:spPr>
+        <p:style>
+          <a:lnRef idx="1">
+            <a:schemeClr val="accent1"/>
+          </a:lnRef>
+          <a:fillRef idx="0">
+            <a:schemeClr val="accent1"/>
+          </a:fillRef>
+          <a:effectRef idx="0">
+            <a:schemeClr val="accent1"/>
+          </a:effectRef>
+          <a:fontRef idx="minor">
+            <a:schemeClr val="tx1"/>
+          </a:fontRef>
+        </p:style>
+      </p:cxnSp>
+      <p:sp>
+        <p:nvSpPr>
+          <p:cNvPr id="126" name="TextBox 125">
+            <a:extLst>
+              <a:ext uri="{FF2B5EF4-FFF2-40B4-BE49-F238E27FC236}">
+                <a16:creationId xmlns:a16="http://schemas.microsoft.com/office/drawing/2014/main" id="{55CD2354-B0AD-420C-8AE0-88820B32E046}"/>
+              </a:ext>
+            </a:extLst>
+          </p:cNvPr>
+          <p:cNvSpPr txBox="1"/>
+          <p:nvPr/>
+        </p:nvSpPr>
+        <p:spPr>
+          <a:xfrm>
+            <a:off x="7234024" y="844825"/>
+            <a:ext cx="2131950" cy="369332"/>
+          </a:xfrm>
+          <a:prstGeom prst="rect">
+            <a:avLst/>
+          </a:prstGeom>
+          <a:noFill/>
+        </p:spPr>
+        <p:txBody>
+          <a:bodyPr wrap="square" rtlCol="0">
+            <a:spAutoFit/>
+          </a:bodyPr>
+          <a:lstStyle/>
+          <a:p>
+            <a:r>
+              <a:rPr lang="en-US" altLang="zh-CN" dirty="0"/>
+              <a:t>Markdown</a:t>
+            </a:r>
+            <a:r>
+              <a:rPr lang="zh-CN" altLang="en-US" dirty="0"/>
+              <a:t>文件</a:t>
+            </a:r>
+            <a:endParaRPr lang="en-US" dirty="0"/>
+          </a:p>
+        </p:txBody>
+      </p:sp>
+      <p:sp>
+        <p:nvSpPr>
+          <p:cNvPr id="127" name="TextBox 126">
+            <a:extLst>
+              <a:ext uri="{FF2B5EF4-FFF2-40B4-BE49-F238E27FC236}">
+                <a16:creationId xmlns:a16="http://schemas.microsoft.com/office/drawing/2014/main" id="{A0E97178-16EC-4B12-8744-B93D956B50F9}"/>
+              </a:ext>
+            </a:extLst>
+          </p:cNvPr>
+          <p:cNvSpPr txBox="1"/>
+          <p:nvPr/>
+        </p:nvSpPr>
+        <p:spPr>
+          <a:xfrm>
+            <a:off x="7325132" y="1298413"/>
+            <a:ext cx="2551050" cy="369332"/>
+          </a:xfrm>
+          <a:prstGeom prst="rect">
+            <a:avLst/>
+          </a:prstGeom>
+          <a:noFill/>
+        </p:spPr>
+        <p:txBody>
+          <a:bodyPr wrap="square" rtlCol="0">
+            <a:spAutoFit/>
+          </a:bodyPr>
+          <a:lstStyle/>
+          <a:p>
+            <a:r>
+              <a:rPr lang="zh-CN" altLang="en-US" dirty="0"/>
+              <a:t>资源目录（图片与附件）</a:t>
+            </a:r>
+            <a:endParaRPr lang="en-US" dirty="0"/>
+          </a:p>
+        </p:txBody>
+      </p:sp>
+    </p:spTree>
+    <p:extLst>
+      <p:ext uri="{BB962C8B-B14F-4D97-AF65-F5344CB8AC3E}">
+        <p14:creationId xmlns:p14="http://schemas.microsoft.com/office/powerpoint/2010/main" val="2153797013"/>
+      </p:ext>
+    </p:extLst>
+  </p:cSld>
+  <p:clrMapOvr>
+    <a:masterClrMapping/>
+  </p:clrMapOvr>
+</p:sld>
+</file>
+
+<file path=ppt/slides/slide3.xml><?xml version="1.0" encoding="utf-8"?>
+<p:sld xmlns:a="http://schemas.openxmlformats.org/drawingml/2006/main" xmlns:r="http://schemas.openxmlformats.org/officeDocument/2006/relationships" xmlns:p="http://schemas.openxmlformats.org/presentationml/2006/main">
+  <p:cSld>
+    <p:spTree>
+      <p:nvGrpSpPr>
+        <p:cNvPr id="1" name=""/>
+        <p:cNvGrpSpPr/>
+        <p:nvPr/>
+      </p:nvGrpSpPr>
+      <p:grpSpPr>
+        <a:xfrm>
+          <a:off x="0" y="0"/>
+          <a:ext cx="0" cy="0"/>
+          <a:chOff x="0" y="0"/>
+          <a:chExt cx="0" cy="0"/>
+        </a:xfrm>
+      </p:grpSpPr>
+      <p:sp>
+        <p:nvSpPr>
+          <p:cNvPr id="2" name="Oval 1">
+            <a:extLst>
+              <a:ext uri="{FF2B5EF4-FFF2-40B4-BE49-F238E27FC236}">
+                <a16:creationId xmlns:a16="http://schemas.microsoft.com/office/drawing/2014/main" id="{E293295B-4830-430A-AB6E-277456796A5E}"/>
+              </a:ext>
+            </a:extLst>
+          </p:cNvPr>
+          <p:cNvSpPr/>
+          <p:nvPr/>
+        </p:nvSpPr>
+        <p:spPr>
+          <a:xfrm>
+            <a:off x="4929806" y="313082"/>
+            <a:ext cx="1123122" cy="487017"/>
+          </a:xfrm>
+          <a:prstGeom prst="ellipse">
+            <a:avLst/>
+          </a:prstGeom>
+        </p:spPr>
+        <p:style>
+          <a:lnRef idx="1">
+            <a:schemeClr val="accent6"/>
+          </a:lnRef>
+          <a:fillRef idx="2">
+            <a:schemeClr val="accent6"/>
+          </a:fillRef>
+          <a:effectRef idx="1">
+            <a:schemeClr val="accent6"/>
+          </a:effectRef>
+          <a:fontRef idx="minor">
+            <a:schemeClr val="dk1"/>
+          </a:fontRef>
+        </p:style>
+        <p:txBody>
+          <a:bodyPr rtlCol="0" anchor="ctr"/>
+          <a:lstStyle/>
+          <a:p>
+            <a:pPr algn="ctr"/>
+            <a:r>
+              <a:rPr lang="zh-CN" altLang="en-US" dirty="0"/>
+              <a:t>开始</a:t>
+            </a:r>
+            <a:endParaRPr lang="en-US" dirty="0"/>
+          </a:p>
+        </p:txBody>
+      </p:sp>
+      <p:sp>
+        <p:nvSpPr>
+          <p:cNvPr id="4" name="Rectangle: Rounded Corners 3">
+            <a:extLst>
+              <a:ext uri="{FF2B5EF4-FFF2-40B4-BE49-F238E27FC236}">
+                <a16:creationId xmlns:a16="http://schemas.microsoft.com/office/drawing/2014/main" id="{491755EE-7F9A-45E8-808A-60949A470169}"/>
+              </a:ext>
+            </a:extLst>
+          </p:cNvPr>
+          <p:cNvSpPr/>
+          <p:nvPr/>
+        </p:nvSpPr>
+        <p:spPr>
+          <a:xfrm>
+            <a:off x="3846443" y="1152938"/>
+            <a:ext cx="3349484" cy="626166"/>
+          </a:xfrm>
+          <a:prstGeom prst="roundRect">
+            <a:avLst/>
+          </a:prstGeom>
+        </p:spPr>
+        <p:style>
+          <a:lnRef idx="1">
+            <a:schemeClr val="accent5"/>
+          </a:lnRef>
+          <a:fillRef idx="2">
+            <a:schemeClr val="accent5"/>
+          </a:fillRef>
+          <a:effectRef idx="1">
+            <a:schemeClr val="accent5"/>
+          </a:effectRef>
+          <a:fontRef idx="minor">
+            <a:schemeClr val="dk1"/>
+          </a:fontRef>
+        </p:style>
+        <p:txBody>
+          <a:bodyPr rtlCol="0" anchor="ctr"/>
+          <a:lstStyle/>
+          <a:p>
+            <a:pPr algn="ctr"/>
+            <a:r>
+              <a:rPr lang="zh-CN" altLang="en-US" dirty="0"/>
+              <a:t>文件备注写入请求</a:t>
+            </a:r>
+            <a:endParaRPr lang="en-US" altLang="zh-CN" dirty="0"/>
+          </a:p>
+        </p:txBody>
+      </p:sp>
+      <p:sp>
+        <p:nvSpPr>
+          <p:cNvPr id="5" name="TextBox 4">
+            <a:extLst>
+              <a:ext uri="{FF2B5EF4-FFF2-40B4-BE49-F238E27FC236}">
+                <a16:creationId xmlns:a16="http://schemas.microsoft.com/office/drawing/2014/main" id="{F6580D46-2EF4-4923-A3AE-173B999DA8E9}"/>
+              </a:ext>
+            </a:extLst>
+          </p:cNvPr>
+          <p:cNvSpPr txBox="1"/>
+          <p:nvPr/>
+        </p:nvSpPr>
+        <p:spPr>
+          <a:xfrm>
+            <a:off x="7195929" y="1321905"/>
+            <a:ext cx="4780723" cy="369332"/>
+          </a:xfrm>
+          <a:prstGeom prst="rect">
+            <a:avLst/>
+          </a:prstGeom>
+          <a:noFill/>
+        </p:spPr>
+        <p:txBody>
+          <a:bodyPr wrap="square" rtlCol="0">
+            <a:spAutoFit/>
+          </a:bodyPr>
+          <a:lstStyle/>
+          <a:p>
+            <a:r>
+              <a:rPr lang="en-US" altLang="zh-CN" dirty="0">
+                <a:solidFill>
+                  <a:schemeClr val="accent2">
+                    <a:lumMod val="75000"/>
+                  </a:schemeClr>
+                </a:solidFill>
+              </a:rPr>
+              <a:t>Example:  D:/</a:t>
+            </a:r>
+            <a:r>
+              <a:rPr lang="zh-CN" altLang="en-US" dirty="0">
+                <a:solidFill>
+                  <a:schemeClr val="accent2">
+                    <a:lumMod val="75000"/>
+                  </a:schemeClr>
+                </a:solidFill>
+              </a:rPr>
+              <a:t>文件路径</a:t>
+            </a:r>
+            <a:r>
+              <a:rPr lang="en-US" altLang="zh-CN" dirty="0">
+                <a:solidFill>
+                  <a:schemeClr val="accent2">
+                    <a:lumMod val="75000"/>
+                  </a:schemeClr>
+                </a:solidFill>
+              </a:rPr>
+              <a:t>/</a:t>
+            </a:r>
+            <a:r>
+              <a:rPr lang="zh-CN" altLang="en-US" dirty="0">
+                <a:solidFill>
+                  <a:schemeClr val="accent2">
+                    <a:lumMod val="75000"/>
+                  </a:schemeClr>
+                </a:solidFill>
+              </a:rPr>
+              <a:t>实体文件</a:t>
+            </a:r>
+            <a:r>
+              <a:rPr lang="en-US" altLang="zh-CN" dirty="0">
+                <a:solidFill>
+                  <a:schemeClr val="accent2">
+                    <a:lumMod val="75000"/>
+                  </a:schemeClr>
+                </a:solidFill>
+              </a:rPr>
+              <a:t>.doc</a:t>
+            </a:r>
+            <a:endParaRPr lang="en-US" dirty="0">
+              <a:solidFill>
+                <a:schemeClr val="accent2">
+                  <a:lumMod val="75000"/>
+                </a:schemeClr>
+              </a:solidFill>
+            </a:endParaRPr>
+          </a:p>
+        </p:txBody>
+      </p:sp>
+      <p:sp>
+        <p:nvSpPr>
+          <p:cNvPr id="61" name="Rectangle: Rounded Corners 60">
+            <a:extLst>
+              <a:ext uri="{FF2B5EF4-FFF2-40B4-BE49-F238E27FC236}">
+                <a16:creationId xmlns:a16="http://schemas.microsoft.com/office/drawing/2014/main" id="{C3046968-1063-49E2-890C-6AE6F66B2E4D}"/>
+              </a:ext>
+            </a:extLst>
+          </p:cNvPr>
+          <p:cNvSpPr/>
+          <p:nvPr/>
+        </p:nvSpPr>
+        <p:spPr>
+          <a:xfrm>
+            <a:off x="3846443" y="2136912"/>
+            <a:ext cx="3349484" cy="626166"/>
+          </a:xfrm>
+          <a:prstGeom prst="roundRect">
+            <a:avLst/>
+          </a:prstGeom>
+        </p:spPr>
+        <p:style>
+          <a:lnRef idx="1">
+            <a:schemeClr val="accent5"/>
+          </a:lnRef>
+          <a:fillRef idx="2">
+            <a:schemeClr val="accent5"/>
+          </a:fillRef>
+          <a:effectRef idx="1">
+            <a:schemeClr val="accent5"/>
+          </a:effectRef>
+          <a:fontRef idx="minor">
+            <a:schemeClr val="dk1"/>
+          </a:fontRef>
+        </p:style>
+        <p:txBody>
+          <a:bodyPr rtlCol="0" anchor="ctr"/>
+          <a:lstStyle/>
+          <a:p>
+            <a:pPr algn="ctr"/>
+            <a:r>
+              <a:rPr lang="zh-CN" altLang="en-US" dirty="0"/>
+              <a:t>计算备注目录路径</a:t>
+            </a:r>
+            <a:endParaRPr lang="en-US" altLang="zh-CN" dirty="0"/>
+          </a:p>
+        </p:txBody>
+      </p:sp>
+      <p:sp>
+        <p:nvSpPr>
+          <p:cNvPr id="64" name="TextBox 63">
+            <a:extLst>
+              <a:ext uri="{FF2B5EF4-FFF2-40B4-BE49-F238E27FC236}">
+                <a16:creationId xmlns:a16="http://schemas.microsoft.com/office/drawing/2014/main" id="{C92FF1B2-9EB2-4CA8-A6A5-9607DC379C3B}"/>
+              </a:ext>
+            </a:extLst>
+          </p:cNvPr>
+          <p:cNvSpPr txBox="1"/>
+          <p:nvPr/>
+        </p:nvSpPr>
+        <p:spPr>
+          <a:xfrm>
+            <a:off x="7195929" y="2206486"/>
+            <a:ext cx="4432852" cy="369332"/>
+          </a:xfrm>
+          <a:prstGeom prst="rect">
+            <a:avLst/>
+          </a:prstGeom>
+          <a:noFill/>
+        </p:spPr>
+        <p:txBody>
+          <a:bodyPr wrap="square" rtlCol="0">
+            <a:spAutoFit/>
+          </a:bodyPr>
+          <a:lstStyle/>
+          <a:p>
+            <a:r>
+              <a:rPr lang="en-US" altLang="zh-CN" dirty="0">
+                <a:solidFill>
+                  <a:schemeClr val="accent2">
+                    <a:lumMod val="75000"/>
+                  </a:schemeClr>
+                </a:solidFill>
+              </a:rPr>
+              <a:t>Example: D:/</a:t>
+            </a:r>
+            <a:r>
+              <a:rPr lang="zh-CN" altLang="en-US" dirty="0">
+                <a:solidFill>
+                  <a:schemeClr val="accent2">
+                    <a:lumMod val="75000"/>
+                  </a:schemeClr>
+                </a:solidFill>
+              </a:rPr>
+              <a:t>备注存储路径</a:t>
+            </a:r>
+            <a:r>
+              <a:rPr lang="en-US" altLang="zh-CN" dirty="0">
+                <a:solidFill>
+                  <a:schemeClr val="accent2">
+                    <a:lumMod val="75000"/>
+                  </a:schemeClr>
+                </a:solidFill>
+              </a:rPr>
+              <a:t>/</a:t>
+            </a:r>
+            <a:r>
+              <a:rPr lang="zh-CN" altLang="en-US" dirty="0">
+                <a:solidFill>
+                  <a:schemeClr val="accent2">
+                    <a:lumMod val="75000"/>
+                  </a:schemeClr>
+                </a:solidFill>
+              </a:rPr>
+              <a:t>备注目录路径</a:t>
+            </a:r>
+            <a:r>
+              <a:rPr lang="en-US" altLang="zh-CN" dirty="0">
+                <a:solidFill>
+                  <a:schemeClr val="accent2">
+                    <a:lumMod val="75000"/>
+                  </a:schemeClr>
+                </a:solidFill>
+              </a:rPr>
+              <a:t>/</a:t>
+            </a:r>
+            <a:endParaRPr lang="en-US" dirty="0">
+              <a:solidFill>
+                <a:schemeClr val="accent2">
+                  <a:lumMod val="75000"/>
+                </a:schemeClr>
+              </a:solidFill>
+            </a:endParaRPr>
+          </a:p>
+        </p:txBody>
+      </p:sp>
+      <p:sp>
+        <p:nvSpPr>
+          <p:cNvPr id="65" name="Rectangle: Rounded Corners 64">
+            <a:extLst>
+              <a:ext uri="{FF2B5EF4-FFF2-40B4-BE49-F238E27FC236}">
+                <a16:creationId xmlns:a16="http://schemas.microsoft.com/office/drawing/2014/main" id="{D3D335BD-8F60-4F58-85B0-879597B1E8C0}"/>
+              </a:ext>
+            </a:extLst>
+          </p:cNvPr>
+          <p:cNvSpPr/>
+          <p:nvPr/>
+        </p:nvSpPr>
+        <p:spPr>
+          <a:xfrm>
+            <a:off x="3846443" y="3115917"/>
+            <a:ext cx="3349484" cy="626166"/>
+          </a:xfrm>
+          <a:prstGeom prst="roundRect">
+            <a:avLst/>
+          </a:prstGeom>
+        </p:spPr>
+        <p:style>
+          <a:lnRef idx="1">
+            <a:schemeClr val="accent5"/>
+          </a:lnRef>
+          <a:fillRef idx="2">
+            <a:schemeClr val="accent5"/>
+          </a:fillRef>
+          <a:effectRef idx="1">
+            <a:schemeClr val="accent5"/>
+          </a:effectRef>
+          <a:fontRef idx="minor">
+            <a:schemeClr val="dk1"/>
+          </a:fontRef>
+        </p:style>
+        <p:txBody>
+          <a:bodyPr rtlCol="0" anchor="ctr"/>
+          <a:lstStyle/>
+          <a:p>
+            <a:pPr algn="ctr"/>
+            <a:r>
+              <a:rPr lang="zh-CN" altLang="en-US" dirty="0"/>
+              <a:t>向</a:t>
+            </a:r>
+            <a:r>
+              <a:rPr lang="en-US" altLang="zh-CN" dirty="0"/>
+              <a:t>Markdown</a:t>
+            </a:r>
+            <a:r>
+              <a:rPr lang="zh-CN" altLang="en-US" dirty="0"/>
+              <a:t>文件写入文本内容</a:t>
+            </a:r>
+            <a:endParaRPr lang="en-US" altLang="zh-CN" dirty="0"/>
+          </a:p>
+        </p:txBody>
+      </p:sp>
+      <p:sp>
+        <p:nvSpPr>
+          <p:cNvPr id="71" name="Rectangle: Rounded Corners 70">
+            <a:extLst>
+              <a:ext uri="{FF2B5EF4-FFF2-40B4-BE49-F238E27FC236}">
+                <a16:creationId xmlns:a16="http://schemas.microsoft.com/office/drawing/2014/main" id="{A56A3009-AAEB-47BE-B281-DE74088D4353}"/>
+              </a:ext>
+            </a:extLst>
+          </p:cNvPr>
+          <p:cNvSpPr/>
+          <p:nvPr/>
+        </p:nvSpPr>
+        <p:spPr>
+          <a:xfrm>
+            <a:off x="3846442" y="4094922"/>
+            <a:ext cx="3349485" cy="626166"/>
+          </a:xfrm>
+          <a:prstGeom prst="roundRect">
+            <a:avLst/>
+          </a:prstGeom>
+        </p:spPr>
+        <p:style>
+          <a:lnRef idx="1">
+            <a:schemeClr val="accent5"/>
+          </a:lnRef>
+          <a:fillRef idx="2">
+            <a:schemeClr val="accent5"/>
+          </a:fillRef>
+          <a:effectRef idx="1">
+            <a:schemeClr val="accent5"/>
+          </a:effectRef>
+          <a:fontRef idx="minor">
+            <a:schemeClr val="dk1"/>
+          </a:fontRef>
+        </p:style>
+        <p:txBody>
+          <a:bodyPr rtlCol="0" anchor="ctr"/>
+          <a:lstStyle/>
+          <a:p>
+            <a:pPr algn="ctr"/>
+            <a:r>
+              <a:rPr lang="zh-CN" altLang="en-US" dirty="0"/>
+              <a:t>向资源目录存入图片或附件</a:t>
+            </a:r>
+            <a:endParaRPr lang="en-US" altLang="zh-CN" dirty="0"/>
+          </a:p>
+        </p:txBody>
+      </p:sp>
+      <p:sp>
+        <p:nvSpPr>
+          <p:cNvPr id="72" name="Rectangle: Rounded Corners 71">
+            <a:extLst>
+              <a:ext uri="{FF2B5EF4-FFF2-40B4-BE49-F238E27FC236}">
+                <a16:creationId xmlns:a16="http://schemas.microsoft.com/office/drawing/2014/main" id="{498FD72C-FB2A-4E16-9644-F3A1708CDCB5}"/>
+              </a:ext>
+            </a:extLst>
+          </p:cNvPr>
+          <p:cNvSpPr/>
+          <p:nvPr/>
+        </p:nvSpPr>
+        <p:spPr>
+          <a:xfrm>
+            <a:off x="3876259" y="5073927"/>
+            <a:ext cx="3319669" cy="626166"/>
+          </a:xfrm>
+          <a:prstGeom prst="roundRect">
+            <a:avLst/>
+          </a:prstGeom>
+        </p:spPr>
+        <p:style>
+          <a:lnRef idx="1">
+            <a:schemeClr val="accent5"/>
+          </a:lnRef>
+          <a:fillRef idx="2">
+            <a:schemeClr val="accent5"/>
+          </a:fillRef>
+          <a:effectRef idx="1">
+            <a:schemeClr val="accent5"/>
+          </a:effectRef>
+          <a:fontRef idx="minor">
+            <a:schemeClr val="dk1"/>
+          </a:fontRef>
+        </p:style>
+        <p:txBody>
+          <a:bodyPr rtlCol="0" anchor="ctr"/>
+          <a:lstStyle/>
+          <a:p>
+            <a:pPr algn="ctr"/>
+            <a:r>
+              <a:rPr lang="zh-CN" altLang="en-US" dirty="0"/>
+              <a:t>对备注目录进行历史版本存储（</a:t>
+            </a:r>
+            <a:r>
+              <a:rPr lang="en-US" altLang="zh-CN" dirty="0"/>
+              <a:t>GIT</a:t>
+            </a:r>
+            <a:r>
+              <a:rPr lang="zh-CN" altLang="en-US" dirty="0"/>
+              <a:t>或</a:t>
+            </a:r>
+            <a:r>
+              <a:rPr lang="en-US" altLang="zh-CN" dirty="0"/>
+              <a:t>SVN</a:t>
+            </a:r>
+            <a:r>
+              <a:rPr lang="zh-CN" altLang="en-US" dirty="0"/>
+              <a:t>）</a:t>
+            </a:r>
+            <a:endParaRPr lang="en-US" altLang="zh-CN" dirty="0"/>
+          </a:p>
+        </p:txBody>
+      </p:sp>
+      <p:sp>
+        <p:nvSpPr>
+          <p:cNvPr id="6" name="Rectangle: Rounded Corners 5">
+            <a:extLst>
+              <a:ext uri="{FF2B5EF4-FFF2-40B4-BE49-F238E27FC236}">
+                <a16:creationId xmlns:a16="http://schemas.microsoft.com/office/drawing/2014/main" id="{B712FE07-3F3B-49E4-834B-1E186BFBE87C}"/>
+              </a:ext>
+            </a:extLst>
+          </p:cNvPr>
+          <p:cNvSpPr/>
+          <p:nvPr/>
+        </p:nvSpPr>
+        <p:spPr>
+          <a:xfrm>
+            <a:off x="4964593" y="6062871"/>
+            <a:ext cx="1143000" cy="487016"/>
+          </a:xfrm>
+          <a:prstGeom prst="roundRect">
+            <a:avLst/>
+          </a:prstGeom>
+        </p:spPr>
+        <p:style>
+          <a:lnRef idx="2">
+            <a:schemeClr val="accent2">
+              <a:shade val="50000"/>
+            </a:schemeClr>
+          </a:lnRef>
+          <a:fillRef idx="1">
+            <a:schemeClr val="accent2"/>
+          </a:fillRef>
+          <a:effectRef idx="0">
+            <a:schemeClr val="accent2"/>
+          </a:effectRef>
+          <a:fontRef idx="minor">
+            <a:schemeClr val="lt1"/>
+          </a:fontRef>
+        </p:style>
+        <p:txBody>
+          <a:bodyPr rtlCol="0" anchor="ctr"/>
+          <a:lstStyle/>
+          <a:p>
+            <a:pPr algn="ctr"/>
+            <a:r>
+              <a:rPr lang="zh-CN" altLang="en-US" dirty="0"/>
+              <a:t>结束</a:t>
+            </a:r>
+            <a:endParaRPr lang="en-US" dirty="0"/>
+          </a:p>
+        </p:txBody>
+      </p:sp>
+      <p:sp>
+        <p:nvSpPr>
+          <p:cNvPr id="73" name="TextBox 72">
+            <a:extLst>
+              <a:ext uri="{FF2B5EF4-FFF2-40B4-BE49-F238E27FC236}">
+                <a16:creationId xmlns:a16="http://schemas.microsoft.com/office/drawing/2014/main" id="{E3436E48-DF09-4684-9087-57C95896BF7E}"/>
+              </a:ext>
+            </a:extLst>
+          </p:cNvPr>
+          <p:cNvSpPr txBox="1"/>
+          <p:nvPr/>
+        </p:nvSpPr>
+        <p:spPr>
+          <a:xfrm>
+            <a:off x="7195929" y="5140258"/>
+            <a:ext cx="3737113" cy="369332"/>
+          </a:xfrm>
+          <a:prstGeom prst="rect">
+            <a:avLst/>
+          </a:prstGeom>
+          <a:noFill/>
+        </p:spPr>
+        <p:txBody>
+          <a:bodyPr wrap="square" rtlCol="0">
+            <a:spAutoFit/>
+          </a:bodyPr>
+          <a:lstStyle/>
+          <a:p>
+            <a:r>
+              <a:rPr lang="zh-CN" altLang="en-US" dirty="0">
+                <a:solidFill>
+                  <a:schemeClr val="accent2">
+                    <a:lumMod val="75000"/>
+                  </a:schemeClr>
+                </a:solidFill>
+              </a:rPr>
+              <a:t>远程或本地</a:t>
+            </a:r>
+            <a:r>
+              <a:rPr lang="en-US" altLang="zh-CN" dirty="0">
+                <a:solidFill>
+                  <a:schemeClr val="accent2">
+                    <a:lumMod val="75000"/>
+                  </a:schemeClr>
+                </a:solidFill>
+              </a:rPr>
+              <a:t>GIT/SVN</a:t>
+            </a:r>
+            <a:r>
+              <a:rPr lang="zh-CN" altLang="en-US" dirty="0">
+                <a:solidFill>
+                  <a:schemeClr val="accent2">
+                    <a:lumMod val="75000"/>
+                  </a:schemeClr>
+                </a:solidFill>
+              </a:rPr>
+              <a:t>仓库</a:t>
+            </a:r>
+            <a:endParaRPr lang="en-US" dirty="0">
+              <a:solidFill>
+                <a:schemeClr val="accent2">
+                  <a:lumMod val="75000"/>
+                </a:schemeClr>
+              </a:solidFill>
+            </a:endParaRPr>
+          </a:p>
+        </p:txBody>
+      </p:sp>
+      <p:cxnSp>
+        <p:nvCxnSpPr>
+          <p:cNvPr id="8" name="Straight Arrow Connector 7">
+            <a:extLst>
+              <a:ext uri="{FF2B5EF4-FFF2-40B4-BE49-F238E27FC236}">
+                <a16:creationId xmlns:a16="http://schemas.microsoft.com/office/drawing/2014/main" id="{81AE6D65-530D-491B-AADB-471F8AE038DD}"/>
+              </a:ext>
+            </a:extLst>
+          </p:cNvPr>
+          <p:cNvCxnSpPr>
+            <a:endCxn id="4" idx="0"/>
+          </p:cNvCxnSpPr>
+          <p:nvPr/>
+        </p:nvCxnSpPr>
+        <p:spPr>
+          <a:xfrm>
+            <a:off x="5521184" y="800099"/>
+            <a:ext cx="1" cy="352839"/>
+          </a:xfrm>
+          <a:prstGeom prst="straightConnector1">
+            <a:avLst/>
+          </a:prstGeom>
+          <a:ln>
+            <a:tailEnd type="triangle"/>
+          </a:ln>
+        </p:spPr>
+        <p:style>
+          <a:lnRef idx="1">
+            <a:schemeClr val="accent1"/>
+          </a:lnRef>
+          <a:fillRef idx="0">
+            <a:schemeClr val="accent1"/>
+          </a:fillRef>
+          <a:effectRef idx="0">
+            <a:schemeClr val="accent1"/>
+          </a:effectRef>
+          <a:fontRef idx="minor">
+            <a:schemeClr val="tx1"/>
+          </a:fontRef>
+        </p:style>
+      </p:cxnSp>
+      <p:cxnSp>
+        <p:nvCxnSpPr>
+          <p:cNvPr id="10" name="Straight Arrow Connector 9">
+            <a:extLst>
+              <a:ext uri="{FF2B5EF4-FFF2-40B4-BE49-F238E27FC236}">
+                <a16:creationId xmlns:a16="http://schemas.microsoft.com/office/drawing/2014/main" id="{73B6FE33-AE67-47B1-97E3-9F8DD8E118DF}"/>
+              </a:ext>
+            </a:extLst>
+          </p:cNvPr>
+          <p:cNvCxnSpPr>
+            <a:stCxn id="4" idx="2"/>
+            <a:endCxn id="61" idx="0"/>
+          </p:cNvCxnSpPr>
+          <p:nvPr/>
+        </p:nvCxnSpPr>
+        <p:spPr>
+          <a:xfrm>
+            <a:off x="5521185" y="1779104"/>
+            <a:ext cx="0" cy="357808"/>
+          </a:xfrm>
+          <a:prstGeom prst="straightConnector1">
+            <a:avLst/>
+          </a:prstGeom>
+          <a:ln>
+            <a:tailEnd type="triangle"/>
+          </a:ln>
+        </p:spPr>
+        <p:style>
+          <a:lnRef idx="1">
+            <a:schemeClr val="accent1"/>
+          </a:lnRef>
+          <a:fillRef idx="0">
+            <a:schemeClr val="accent1"/>
+          </a:fillRef>
+          <a:effectRef idx="0">
+            <a:schemeClr val="accent1"/>
+          </a:effectRef>
+          <a:fontRef idx="minor">
+            <a:schemeClr val="tx1"/>
+          </a:fontRef>
+        </p:style>
+      </p:cxnSp>
+      <p:cxnSp>
+        <p:nvCxnSpPr>
+          <p:cNvPr id="12" name="Straight Arrow Connector 11">
+            <a:extLst>
+              <a:ext uri="{FF2B5EF4-FFF2-40B4-BE49-F238E27FC236}">
+                <a16:creationId xmlns:a16="http://schemas.microsoft.com/office/drawing/2014/main" id="{F078B37C-2CAE-4CD3-AAF8-E714D586FE6C}"/>
+              </a:ext>
+            </a:extLst>
+          </p:cNvPr>
+          <p:cNvCxnSpPr>
+            <a:stCxn id="61" idx="2"/>
+            <a:endCxn id="65" idx="0"/>
+          </p:cNvCxnSpPr>
+          <p:nvPr/>
+        </p:nvCxnSpPr>
+        <p:spPr>
+          <a:xfrm>
+            <a:off x="5521185" y="2763078"/>
+            <a:ext cx="0" cy="352839"/>
+          </a:xfrm>
+          <a:prstGeom prst="straightConnector1">
+            <a:avLst/>
+          </a:prstGeom>
+          <a:ln>
+            <a:tailEnd type="triangle"/>
+          </a:ln>
+        </p:spPr>
+        <p:style>
+          <a:lnRef idx="1">
+            <a:schemeClr val="accent1"/>
+          </a:lnRef>
+          <a:fillRef idx="0">
+            <a:schemeClr val="accent1"/>
+          </a:fillRef>
+          <a:effectRef idx="0">
+            <a:schemeClr val="accent1"/>
+          </a:effectRef>
+          <a:fontRef idx="minor">
+            <a:schemeClr val="tx1"/>
+          </a:fontRef>
+        </p:style>
+      </p:cxnSp>
+      <p:cxnSp>
+        <p:nvCxnSpPr>
+          <p:cNvPr id="16" name="Straight Arrow Connector 15">
+            <a:extLst>
+              <a:ext uri="{FF2B5EF4-FFF2-40B4-BE49-F238E27FC236}">
+                <a16:creationId xmlns:a16="http://schemas.microsoft.com/office/drawing/2014/main" id="{69F057F7-A53D-4A6D-8BD2-18ACB6B0030F}"/>
+              </a:ext>
+            </a:extLst>
+          </p:cNvPr>
+          <p:cNvCxnSpPr>
+            <a:stCxn id="65" idx="2"/>
+            <a:endCxn id="71" idx="0"/>
+          </p:cNvCxnSpPr>
+          <p:nvPr/>
+        </p:nvCxnSpPr>
+        <p:spPr>
+          <a:xfrm>
+            <a:off x="5521185" y="3742083"/>
+            <a:ext cx="0" cy="352839"/>
+          </a:xfrm>
+          <a:prstGeom prst="straightConnector1">
+            <a:avLst/>
+          </a:prstGeom>
+          <a:ln>
+            <a:tailEnd type="triangle"/>
+          </a:ln>
+        </p:spPr>
+        <p:style>
+          <a:lnRef idx="1">
+            <a:schemeClr val="accent1"/>
+          </a:lnRef>
+          <a:fillRef idx="0">
+            <a:schemeClr val="accent1"/>
+          </a:fillRef>
+          <a:effectRef idx="0">
+            <a:schemeClr val="accent1"/>
+          </a:effectRef>
+          <a:fontRef idx="minor">
+            <a:schemeClr val="tx1"/>
+          </a:fontRef>
+        </p:style>
+      </p:cxnSp>
+      <p:cxnSp>
+        <p:nvCxnSpPr>
+          <p:cNvPr id="18" name="Straight Arrow Connector 17">
+            <a:extLst>
+              <a:ext uri="{FF2B5EF4-FFF2-40B4-BE49-F238E27FC236}">
+                <a16:creationId xmlns:a16="http://schemas.microsoft.com/office/drawing/2014/main" id="{8B63D3D6-4BA0-4A43-8B64-4FAA716DE243}"/>
+              </a:ext>
+            </a:extLst>
+          </p:cNvPr>
+          <p:cNvCxnSpPr>
+            <a:stCxn id="71" idx="2"/>
+            <a:endCxn id="72" idx="0"/>
+          </p:cNvCxnSpPr>
+          <p:nvPr/>
+        </p:nvCxnSpPr>
+        <p:spPr>
+          <a:xfrm>
+            <a:off x="5521185" y="4721088"/>
+            <a:ext cx="14909" cy="352839"/>
+          </a:xfrm>
+          <a:prstGeom prst="straightConnector1">
+            <a:avLst/>
+          </a:prstGeom>
+          <a:ln>
+            <a:tailEnd type="triangle"/>
+          </a:ln>
+        </p:spPr>
+        <p:style>
+          <a:lnRef idx="1">
+            <a:schemeClr val="accent1"/>
+          </a:lnRef>
+          <a:fillRef idx="0">
+            <a:schemeClr val="accent1"/>
+          </a:fillRef>
+          <a:effectRef idx="0">
+            <a:schemeClr val="accent1"/>
+          </a:effectRef>
+          <a:fontRef idx="minor">
+            <a:schemeClr val="tx1"/>
+          </a:fontRef>
+        </p:style>
+      </p:cxnSp>
+      <p:cxnSp>
+        <p:nvCxnSpPr>
+          <p:cNvPr id="20" name="Straight Arrow Connector 19">
+            <a:extLst>
+              <a:ext uri="{FF2B5EF4-FFF2-40B4-BE49-F238E27FC236}">
+                <a16:creationId xmlns:a16="http://schemas.microsoft.com/office/drawing/2014/main" id="{EC7DB2AC-8DC1-4E32-BEC0-5D96A4845791}"/>
+              </a:ext>
+            </a:extLst>
+          </p:cNvPr>
+          <p:cNvCxnSpPr>
+            <a:stCxn id="72" idx="2"/>
+            <a:endCxn id="6" idx="0"/>
+          </p:cNvCxnSpPr>
+          <p:nvPr/>
+        </p:nvCxnSpPr>
+        <p:spPr>
+          <a:xfrm flipH="1">
+            <a:off x="5536093" y="5700093"/>
+            <a:ext cx="1" cy="362778"/>
+          </a:xfrm>
+          <a:prstGeom prst="straightConnector1">
+            <a:avLst/>
+          </a:prstGeom>
+          <a:ln>
+            <a:tailEnd type="triangle"/>
+          </a:ln>
+        </p:spPr>
+        <p:style>
+          <a:lnRef idx="1">
+            <a:schemeClr val="accent1"/>
+          </a:lnRef>
+          <a:fillRef idx="0">
+            <a:schemeClr val="accent1"/>
+          </a:fillRef>
+          <a:effectRef idx="0">
+            <a:schemeClr val="accent1"/>
+          </a:effectRef>
+          <a:fontRef idx="minor">
+            <a:schemeClr val="tx1"/>
+          </a:fontRef>
+        </p:style>
+      </p:cxnSp>
+    </p:spTree>
+    <p:extLst>
+      <p:ext uri="{BB962C8B-B14F-4D97-AF65-F5344CB8AC3E}">
+        <p14:creationId xmlns:p14="http://schemas.microsoft.com/office/powerpoint/2010/main" val="4127783820"/>
+      </p:ext>
+    </p:extLst>
+  </p:cSld>
+  <p:clrMapOvr>
+    <a:masterClrMapping/>
+  </p:clrMapOvr>
+</p:sld>
+</file>
+
 <file path=ppt/theme/theme1.xml><?xml version="1.0" encoding="utf-8"?>
 <a:theme xmlns:a="http://schemas.openxmlformats.org/drawingml/2006/main" name="Office Theme">
   <a:themeElements>

--- a/Docs/文档素材/文件备注实现方案.pptx
+++ b/Docs/文档素材/文件备注实现方案.pptx
@@ -6585,7 +6585,7 @@
           <a:p>
             <a:r>
               <a:rPr lang="zh-CN" altLang="en-US" dirty="0"/>
-              <a:t>散列隐射算法</a:t>
+              <a:t>散列算法映射</a:t>
             </a:r>
             <a:endParaRPr lang="en-US" dirty="0"/>
           </a:p>
